--- a/PPT/每次课PPT/11 IO（输入输出）-1.pptx
+++ b/PPT/每次课PPT/11 IO（输入输出）-1.pptx
@@ -5,10 +5,10 @@
     <p:sldMasterId id="2147483672" r:id="rId1"/>
   </p:sldMasterIdLst>
   <p:notesMasterIdLst>
-    <p:notesMasterId r:id="rId25"/>
+    <p:notesMasterId r:id="rId26"/>
   </p:notesMasterIdLst>
   <p:handoutMasterIdLst>
-    <p:handoutMasterId r:id="rId26"/>
+    <p:handoutMasterId r:id="rId27"/>
   </p:handoutMasterIdLst>
   <p:sldIdLst>
     <p:sldId id="642" r:id="rId2"/>
@@ -16,24 +16,25 @@
     <p:sldId id="713" r:id="rId4"/>
     <p:sldId id="752" r:id="rId5"/>
     <p:sldId id="753" r:id="rId6"/>
-    <p:sldId id="718" r:id="rId7"/>
-    <p:sldId id="759" r:id="rId8"/>
+    <p:sldId id="759" r:id="rId7"/>
+    <p:sldId id="718" r:id="rId8"/>
     <p:sldId id="754" r:id="rId9"/>
     <p:sldId id="738" r:id="rId10"/>
     <p:sldId id="737" r:id="rId11"/>
     <p:sldId id="717" r:id="rId12"/>
-    <p:sldId id="755" r:id="rId13"/>
-    <p:sldId id="729" r:id="rId14"/>
-    <p:sldId id="712" r:id="rId15"/>
-    <p:sldId id="761" r:id="rId16"/>
-    <p:sldId id="762" r:id="rId17"/>
-    <p:sldId id="763" r:id="rId18"/>
-    <p:sldId id="764" r:id="rId19"/>
-    <p:sldId id="739" r:id="rId20"/>
-    <p:sldId id="746" r:id="rId21"/>
-    <p:sldId id="715" r:id="rId22"/>
-    <p:sldId id="765" r:id="rId23"/>
-    <p:sldId id="766" r:id="rId24"/>
+    <p:sldId id="767" r:id="rId13"/>
+    <p:sldId id="755" r:id="rId14"/>
+    <p:sldId id="729" r:id="rId15"/>
+    <p:sldId id="712" r:id="rId16"/>
+    <p:sldId id="761" r:id="rId17"/>
+    <p:sldId id="762" r:id="rId18"/>
+    <p:sldId id="763" r:id="rId19"/>
+    <p:sldId id="764" r:id="rId20"/>
+    <p:sldId id="739" r:id="rId21"/>
+    <p:sldId id="746" r:id="rId22"/>
+    <p:sldId id="715" r:id="rId23"/>
+    <p:sldId id="765" r:id="rId24"/>
+    <p:sldId id="766" r:id="rId25"/>
   </p:sldIdLst>
   <p:sldSz cx="12196763" cy="6858000"/>
   <p:notesSz cx="7099300" cy="10234613"/>
@@ -253,7 +254,7 @@
             <a:fld id="{1AA66804-583B-42BE-962B-441699487C40}" type="datetimeFigureOut">
               <a:rPr lang="zh-CN" altLang="en-US" smtClean="0"/>
               <a:pPr/>
-              <a:t>2017/12/9</a:t>
+              <a:t>2018/12/10</a:t>
             </a:fld>
             <a:endParaRPr lang="zh-CN" altLang="en-US"/>
           </a:p>
@@ -497,7 +498,7 @@
             <a:fld id="{B9EEDA17-7CE7-49CA-897E-A1888A19DA62}" type="datetimeFigureOut">
               <a:rPr lang="zh-CN" altLang="en-US"/>
               <a:pPr/>
-              <a:t>2017/12/9</a:t>
+              <a:t>2018/12/10</a:t>
             </a:fld>
             <a:endParaRPr lang="en-US"/>
           </a:p>
@@ -2472,6 +2473,104 @@
               </a:rPr>
               <a:pPr/>
               <a:t>23</a:t>
+            </a:fld>
+            <a:endParaRPr lang="en-US">
+              <a:solidFill>
+                <a:prstClr val="black"/>
+              </a:solidFill>
+            </a:endParaRPr>
+          </a:p>
+        </p:txBody>
+      </p:sp>
+    </p:spTree>
+    <p:extLst>
+      <p:ext uri="{BB962C8B-B14F-4D97-AF65-F5344CB8AC3E}">
+        <p14:creationId xmlns:p14="http://schemas.microsoft.com/office/powerpoint/2010/main" val="2292324362"/>
+      </p:ext>
+    </p:extLst>
+  </p:cSld>
+  <p:clrMapOvr>
+    <a:masterClrMapping/>
+  </p:clrMapOvr>
+</p:notes>
+</file>
+
+<file path=ppt/notesSlides/notesSlide24.xml><?xml version="1.0" encoding="utf-8"?>
+<p:notes xmlns:a="http://schemas.openxmlformats.org/drawingml/2006/main" xmlns:r="http://schemas.openxmlformats.org/officeDocument/2006/relationships" xmlns:p="http://schemas.openxmlformats.org/presentationml/2006/main">
+  <p:cSld>
+    <p:spTree>
+      <p:nvGrpSpPr>
+        <p:cNvPr id="1" name=""/>
+        <p:cNvGrpSpPr/>
+        <p:nvPr/>
+      </p:nvGrpSpPr>
+      <p:grpSpPr>
+        <a:xfrm>
+          <a:off x="0" y="0"/>
+          <a:ext cx="0" cy="0"/>
+          <a:chOff x="0" y="0"/>
+          <a:chExt cx="0" cy="0"/>
+        </a:xfrm>
+      </p:grpSpPr>
+      <p:sp>
+        <p:nvSpPr>
+          <p:cNvPr id="2" name="幻灯片图像占位符 1"/>
+          <p:cNvSpPr>
+            <a:spLocks noGrp="1" noRot="1" noChangeAspect="1"/>
+          </p:cNvSpPr>
+          <p:nvPr>
+            <p:ph type="sldImg"/>
+          </p:nvPr>
+        </p:nvSpPr>
+        <p:spPr>
+          <a:xfrm>
+            <a:off x="138113" y="768350"/>
+            <a:ext cx="6823075" cy="3836988"/>
+          </a:xfrm>
+        </p:spPr>
+      </p:sp>
+      <p:sp>
+        <p:nvSpPr>
+          <p:cNvPr id="3" name="备注占位符 2"/>
+          <p:cNvSpPr>
+            <a:spLocks noGrp="1"/>
+          </p:cNvSpPr>
+          <p:nvPr>
+            <p:ph type="body" idx="1"/>
+          </p:nvPr>
+        </p:nvSpPr>
+        <p:spPr/>
+        <p:txBody>
+          <a:bodyPr/>
+          <a:lstStyle/>
+          <a:p>
+            <a:endParaRPr lang="zh-CN" altLang="en-US"/>
+          </a:p>
+        </p:txBody>
+      </p:sp>
+      <p:sp>
+        <p:nvSpPr>
+          <p:cNvPr id="4" name="灯片编号占位符 3"/>
+          <p:cNvSpPr>
+            <a:spLocks noGrp="1"/>
+          </p:cNvSpPr>
+          <p:nvPr>
+            <p:ph type="sldNum" sz="quarter" idx="10"/>
+          </p:nvPr>
+        </p:nvSpPr>
+        <p:spPr/>
+        <p:txBody>
+          <a:bodyPr/>
+          <a:lstStyle/>
+          <a:p>
+            <a:fld id="{CE1689F0-D8FB-450F-A36F-553F26501FEE}" type="slidenum">
+              <a:rPr lang="zh-CN" altLang="en-US" smtClean="0">
+                <a:solidFill>
+                  <a:prstClr val="black"/>
+                </a:solidFill>
+              </a:rPr>
+              <a:pPr/>
+              <a:t>24</a:t>
             </a:fld>
             <a:endParaRPr lang="en-US">
               <a:solidFill>
@@ -11223,6 +11322,878 @@
                 <a:latin typeface="微软雅黑"/>
                 <a:ea typeface="微软雅黑"/>
               </a:rPr>
+              <a:t>可以实例化的是他们的子</a:t>
+            </a:r>
+            <a:r>
+              <a:rPr lang="zh-CN" altLang="en-US" sz="3200" dirty="0" smtClean="0">
+                <a:solidFill>
+                  <a:srgbClr val="F8F8F8"/>
+                </a:solidFill>
+                <a:latin typeface="微软雅黑"/>
+                <a:ea typeface="微软雅黑"/>
+              </a:rPr>
+              <a:t>类</a:t>
+            </a:r>
+            <a:endParaRPr lang="zh-CN" altLang="en-US" sz="3200" dirty="0" smtClean="0">
+              <a:solidFill>
+                <a:srgbClr val="F8F8F8"/>
+              </a:solidFill>
+              <a:latin typeface="微软雅黑"/>
+              <a:ea typeface="微软雅黑"/>
+            </a:endParaRPr>
+          </a:p>
+        </p:txBody>
+      </p:sp>
+      <p:pic>
+        <p:nvPicPr>
+          <p:cNvPr id="6146" name="Picture 2"/>
+          <p:cNvPicPr>
+            <a:picLocks noChangeAspect="1" noChangeArrowheads="1"/>
+          </p:cNvPicPr>
+          <p:nvPr/>
+        </p:nvPicPr>
+        <p:blipFill>
+          <a:blip r:embed="rId3">
+            <a:extLst>
+              <a:ext uri="{28A0092B-C50C-407E-A947-70E740481C1C}">
+                <a14:useLocalDpi xmlns:a14="http://schemas.microsoft.com/office/drawing/2010/main" val="0"/>
+              </a:ext>
+            </a:extLst>
+          </a:blip>
+          <a:srcRect/>
+          <a:stretch>
+            <a:fillRect/>
+          </a:stretch>
+        </p:blipFill>
+        <p:spPr bwMode="auto">
+          <a:xfrm>
+            <a:off x="1633885" y="666517"/>
+            <a:ext cx="8579584" cy="5477625"/>
+          </a:xfrm>
+          <a:prstGeom prst="rect">
+            <a:avLst/>
+          </a:prstGeom>
+          <a:noFill/>
+          <a:ln>
+            <a:noFill/>
+          </a:ln>
+          <a:extLst>
+            <a:ext uri="{909E8E84-426E-40DD-AFC4-6F175D3DCCD1}">
+              <a14:hiddenFill xmlns:a14="http://schemas.microsoft.com/office/drawing/2010/main">
+                <a:solidFill>
+                  <a:schemeClr val="accent1"/>
+                </a:solidFill>
+              </a14:hiddenFill>
+            </a:ext>
+            <a:ext uri="{91240B29-F687-4F45-9708-019B960494DF}">
+              <a14:hiddenLine xmlns:a14="http://schemas.microsoft.com/office/drawing/2010/main" w="9525">
+                <a:solidFill>
+                  <a:schemeClr val="tx1"/>
+                </a:solidFill>
+                <a:miter lim="800000"/>
+                <a:headEnd/>
+                <a:tailEnd/>
+              </a14:hiddenLine>
+            </a:ext>
+          </a:extLst>
+        </p:spPr>
+      </p:pic>
+      <p:sp>
+        <p:nvSpPr>
+          <p:cNvPr id="8" name="椭圆 7"/>
+          <p:cNvSpPr/>
+          <p:nvPr/>
+        </p:nvSpPr>
+        <p:spPr bwMode="auto">
+          <a:xfrm>
+            <a:off x="3218061" y="1988840"/>
+            <a:ext cx="2016224" cy="576064"/>
+          </a:xfrm>
+          <a:prstGeom prst="ellipse">
+            <a:avLst/>
+          </a:prstGeom>
+          <a:noFill/>
+          <a:ln w="9525" cap="flat" cmpd="sng" algn="ctr">
+            <a:solidFill>
+              <a:schemeClr val="tx1"/>
+            </a:solidFill>
+            <a:prstDash val="solid"/>
+            <a:round/>
+            <a:headEnd type="none" w="med" len="med"/>
+            <a:tailEnd type="none" w="med" len="med"/>
+          </a:ln>
+          <a:effectLst/>
+          <a:extLst/>
+        </p:spPr>
+        <p:txBody>
+          <a:bodyPr vert="horz" wrap="square" lIns="91440" tIns="45720" rIns="91440" bIns="45720" numCol="1" rtlCol="0" anchor="t" anchorCtr="0" compatLnSpc="1">
+            <a:prstTxWarp prst="textNoShape">
+              <a:avLst/>
+            </a:prstTxWarp>
+          </a:bodyPr>
+          <a:lstStyle/>
+          <a:p>
+            <a:endParaRPr lang="zh-CN" altLang="en-US" smtClean="0">
+              <a:solidFill>
+                <a:srgbClr val="C4261D"/>
+              </a:solidFill>
+            </a:endParaRPr>
+          </a:p>
+        </p:txBody>
+      </p:sp>
+      <p:sp>
+        <p:nvSpPr>
+          <p:cNvPr id="15" name="椭圆 14"/>
+          <p:cNvSpPr/>
+          <p:nvPr/>
+        </p:nvSpPr>
+        <p:spPr bwMode="auto">
+          <a:xfrm>
+            <a:off x="7248457" y="2996952"/>
+            <a:ext cx="1802251" cy="432048"/>
+          </a:xfrm>
+          <a:prstGeom prst="ellipse">
+            <a:avLst/>
+          </a:prstGeom>
+          <a:noFill/>
+          <a:ln w="9525" cap="flat" cmpd="sng" algn="ctr">
+            <a:solidFill>
+              <a:schemeClr val="tx1"/>
+            </a:solidFill>
+            <a:prstDash val="solid"/>
+            <a:round/>
+            <a:headEnd type="none" w="med" len="med"/>
+            <a:tailEnd type="none" w="med" len="med"/>
+          </a:ln>
+          <a:effectLst/>
+          <a:extLst/>
+        </p:spPr>
+        <p:txBody>
+          <a:bodyPr vert="horz" wrap="square" lIns="91440" tIns="45720" rIns="91440" bIns="45720" numCol="1" rtlCol="0" anchor="t" anchorCtr="0" compatLnSpc="1">
+            <a:prstTxWarp prst="textNoShape">
+              <a:avLst/>
+            </a:prstTxWarp>
+          </a:bodyPr>
+          <a:lstStyle/>
+          <a:p>
+            <a:endParaRPr lang="zh-CN" altLang="en-US" smtClean="0">
+              <a:solidFill>
+                <a:srgbClr val="C4261D"/>
+              </a:solidFill>
+            </a:endParaRPr>
+          </a:p>
+        </p:txBody>
+      </p:sp>
+      <p:sp>
+        <p:nvSpPr>
+          <p:cNvPr id="2" name="矩形 1"/>
+          <p:cNvSpPr/>
+          <p:nvPr/>
+        </p:nvSpPr>
+        <p:spPr>
+          <a:xfrm>
+            <a:off x="5522317" y="4941168"/>
+            <a:ext cx="5750292" cy="923330"/>
+          </a:xfrm>
+          <a:prstGeom prst="rect">
+            <a:avLst/>
+          </a:prstGeom>
+          <a:noFill/>
+        </p:spPr>
+        <p:txBody>
+          <a:bodyPr wrap="none" lIns="91440" tIns="45720" rIns="91440" bIns="45720">
+            <a:spAutoFit/>
+          </a:bodyPr>
+          <a:lstStyle/>
+          <a:p>
+            <a:pPr algn="ctr"/>
+            <a:r>
+              <a:rPr lang="zh-CN" altLang="en-US" sz="5400" b="1" dirty="0" smtClean="0">
+                <a:ln w="12700">
+                  <a:solidFill>
+                    <a:srgbClr val="4D4D4D">
+                      <a:satMod val="155000"/>
+                    </a:srgbClr>
+                  </a:solidFill>
+                  <a:prstDash val="solid"/>
+                </a:ln>
+                <a:solidFill>
+                  <a:srgbClr val="C2C1C1">
+                    <a:tint val="85000"/>
+                    <a:satMod val="155000"/>
+                  </a:srgbClr>
+                </a:solidFill>
+                <a:effectLst>
+                  <a:outerShdw blurRad="41275" dist="20320" dir="1800000" algn="tl" rotWithShape="0">
+                    <a:srgbClr val="000000">
+                      <a:alpha val="40000"/>
+                    </a:srgbClr>
+                  </a:outerShdw>
+                </a:effectLst>
+              </a:rPr>
+              <a:t>比如标准输入输出</a:t>
+            </a:r>
+            <a:endParaRPr lang="zh-CN" altLang="en-US" sz="5400" b="1" dirty="0">
+              <a:ln w="12700">
+                <a:solidFill>
+                  <a:srgbClr val="4D4D4D">
+                    <a:satMod val="155000"/>
+                  </a:srgbClr>
+                </a:solidFill>
+                <a:prstDash val="solid"/>
+              </a:ln>
+              <a:solidFill>
+                <a:srgbClr val="C2C1C1">
+                  <a:tint val="85000"/>
+                  <a:satMod val="155000"/>
+                </a:srgbClr>
+              </a:solidFill>
+              <a:effectLst>
+                <a:outerShdw blurRad="41275" dist="20320" dir="1800000" algn="tl" rotWithShape="0">
+                  <a:srgbClr val="000000">
+                    <a:alpha val="40000"/>
+                  </a:srgbClr>
+                </a:outerShdw>
+              </a:effectLst>
+            </a:endParaRPr>
+          </a:p>
+        </p:txBody>
+      </p:sp>
+      <p:sp>
+        <p:nvSpPr>
+          <p:cNvPr id="3" name="右箭头 2"/>
+          <p:cNvSpPr/>
+          <p:nvPr/>
+        </p:nvSpPr>
+        <p:spPr bwMode="auto">
+          <a:xfrm rot="13132844">
+            <a:off x="4638937" y="3589188"/>
+            <a:ext cx="4217452" cy="406844"/>
+          </a:xfrm>
+          <a:prstGeom prst="rightArrow">
+            <a:avLst>
+              <a:gd name="adj1" fmla="val 50000"/>
+              <a:gd name="adj2" fmla="val 109176"/>
+            </a:avLst>
+          </a:prstGeom>
+          <a:solidFill>
+            <a:schemeClr val="accent1">
+              <a:alpha val="0"/>
+            </a:schemeClr>
+          </a:solidFill>
+          <a:ln w="9525" cap="flat" cmpd="sng" algn="ctr">
+            <a:solidFill>
+              <a:schemeClr val="tx1"/>
+            </a:solidFill>
+            <a:prstDash val="solid"/>
+            <a:round/>
+            <a:headEnd type="none" w="med" len="med"/>
+            <a:tailEnd type="none" w="med" len="med"/>
+          </a:ln>
+          <a:effectLst/>
+          <a:extLst/>
+        </p:spPr>
+        <p:txBody>
+          <a:bodyPr vert="horz" wrap="square" lIns="91440" tIns="45720" rIns="91440" bIns="45720" numCol="1" rtlCol="0" anchor="t" anchorCtr="0" compatLnSpc="1">
+            <a:prstTxWarp prst="textNoShape">
+              <a:avLst/>
+            </a:prstTxWarp>
+          </a:bodyPr>
+          <a:lstStyle/>
+          <a:p>
+            <a:endParaRPr lang="zh-CN" altLang="en-US" smtClean="0">
+              <a:solidFill>
+                <a:srgbClr val="C4261D"/>
+              </a:solidFill>
+            </a:endParaRPr>
+          </a:p>
+        </p:txBody>
+      </p:sp>
+      <p:sp>
+        <p:nvSpPr>
+          <p:cNvPr id="17" name="右箭头 16"/>
+          <p:cNvSpPr/>
+          <p:nvPr/>
+        </p:nvSpPr>
+        <p:spPr bwMode="auto">
+          <a:xfrm rot="14276865">
+            <a:off x="8634109" y="3985390"/>
+            <a:ext cx="1909607" cy="406844"/>
+          </a:xfrm>
+          <a:prstGeom prst="rightArrow">
+            <a:avLst>
+              <a:gd name="adj1" fmla="val 50000"/>
+              <a:gd name="adj2" fmla="val 109176"/>
+            </a:avLst>
+          </a:prstGeom>
+          <a:solidFill>
+            <a:schemeClr val="accent1">
+              <a:alpha val="0"/>
+            </a:schemeClr>
+          </a:solidFill>
+          <a:ln w="9525" cap="flat" cmpd="sng" algn="ctr">
+            <a:solidFill>
+              <a:schemeClr val="tx1"/>
+            </a:solidFill>
+            <a:prstDash val="solid"/>
+            <a:round/>
+            <a:headEnd type="none" w="med" len="med"/>
+            <a:tailEnd type="none" w="med" len="med"/>
+          </a:ln>
+          <a:effectLst/>
+          <a:extLst/>
+        </p:spPr>
+        <p:txBody>
+          <a:bodyPr vert="horz" wrap="square" lIns="91440" tIns="45720" rIns="91440" bIns="45720" numCol="1" rtlCol="0" anchor="t" anchorCtr="0" compatLnSpc="1">
+            <a:prstTxWarp prst="textNoShape">
+              <a:avLst/>
+            </a:prstTxWarp>
+          </a:bodyPr>
+          <a:lstStyle/>
+          <a:p>
+            <a:endParaRPr lang="zh-CN" altLang="en-US" smtClean="0">
+              <a:solidFill>
+                <a:srgbClr val="C4261D"/>
+              </a:solidFill>
+            </a:endParaRPr>
+          </a:p>
+        </p:txBody>
+      </p:sp>
+      <p:sp>
+        <p:nvSpPr>
+          <p:cNvPr id="16" name="椭圆 15"/>
+          <p:cNvSpPr/>
+          <p:nvPr/>
+        </p:nvSpPr>
+        <p:spPr bwMode="auto">
+          <a:xfrm>
+            <a:off x="8330629" y="4941168"/>
+            <a:ext cx="1368152" cy="923330"/>
+          </a:xfrm>
+          <a:prstGeom prst="ellipse">
+            <a:avLst/>
+          </a:prstGeom>
+          <a:noFill/>
+          <a:ln w="9525" cap="flat" cmpd="sng" algn="ctr">
+            <a:solidFill>
+              <a:schemeClr val="tx1"/>
+            </a:solidFill>
+            <a:prstDash val="solid"/>
+            <a:round/>
+            <a:headEnd type="none" w="med" len="med"/>
+            <a:tailEnd type="none" w="med" len="med"/>
+          </a:ln>
+          <a:effectLst/>
+          <a:extLst/>
+        </p:spPr>
+        <p:txBody>
+          <a:bodyPr vert="horz" wrap="square" lIns="91440" tIns="45720" rIns="91440" bIns="45720" numCol="1" rtlCol="0" anchor="t" anchorCtr="0" compatLnSpc="1">
+            <a:prstTxWarp prst="textNoShape">
+              <a:avLst/>
+            </a:prstTxWarp>
+          </a:bodyPr>
+          <a:lstStyle/>
+          <a:p>
+            <a:endParaRPr lang="zh-CN" altLang="en-US" smtClean="0">
+              <a:solidFill>
+                <a:srgbClr val="C4261D"/>
+              </a:solidFill>
+            </a:endParaRPr>
+          </a:p>
+        </p:txBody>
+      </p:sp>
+      <p:sp>
+        <p:nvSpPr>
+          <p:cNvPr id="18" name="椭圆 17"/>
+          <p:cNvSpPr/>
+          <p:nvPr/>
+        </p:nvSpPr>
+        <p:spPr bwMode="auto">
+          <a:xfrm>
+            <a:off x="9914805" y="4941168"/>
+            <a:ext cx="1368152" cy="923330"/>
+          </a:xfrm>
+          <a:prstGeom prst="ellipse">
+            <a:avLst/>
+          </a:prstGeom>
+          <a:noFill/>
+          <a:ln w="9525" cap="flat" cmpd="sng" algn="ctr">
+            <a:solidFill>
+              <a:schemeClr val="tx1"/>
+            </a:solidFill>
+            <a:prstDash val="solid"/>
+            <a:round/>
+            <a:headEnd type="none" w="med" len="med"/>
+            <a:tailEnd type="none" w="med" len="med"/>
+          </a:ln>
+          <a:effectLst/>
+          <a:extLst/>
+        </p:spPr>
+        <p:txBody>
+          <a:bodyPr vert="horz" wrap="square" lIns="91440" tIns="45720" rIns="91440" bIns="45720" numCol="1" rtlCol="0" anchor="t" anchorCtr="0" compatLnSpc="1">
+            <a:prstTxWarp prst="textNoShape">
+              <a:avLst/>
+            </a:prstTxWarp>
+          </a:bodyPr>
+          <a:lstStyle/>
+          <a:p>
+            <a:endParaRPr lang="zh-CN" altLang="en-US" smtClean="0">
+              <a:solidFill>
+                <a:srgbClr val="C4261D"/>
+              </a:solidFill>
+            </a:endParaRPr>
+          </a:p>
+        </p:txBody>
+      </p:sp>
+      <p:sp>
+        <p:nvSpPr>
+          <p:cNvPr id="5" name="TextBox 4"/>
+          <p:cNvSpPr txBox="1"/>
+          <p:nvPr/>
+        </p:nvSpPr>
+        <p:spPr>
+          <a:xfrm>
+            <a:off x="8423804" y="5862938"/>
+            <a:ext cx="1301318" cy="369332"/>
+          </a:xfrm>
+          <a:prstGeom prst="rect">
+            <a:avLst/>
+          </a:prstGeom>
+          <a:noFill/>
+        </p:spPr>
+        <p:txBody>
+          <a:bodyPr wrap="square" rtlCol="0">
+            <a:spAutoFit/>
+          </a:bodyPr>
+          <a:lstStyle/>
+          <a:p>
+            <a:r>
+              <a:rPr lang="en-US" altLang="zh-CN" dirty="0" smtClean="0"/>
+              <a:t>System.in</a:t>
+            </a:r>
+            <a:endParaRPr lang="zh-CN" altLang="en-US" dirty="0"/>
+          </a:p>
+        </p:txBody>
+      </p:sp>
+      <p:sp>
+        <p:nvSpPr>
+          <p:cNvPr id="19" name="TextBox 18"/>
+          <p:cNvSpPr txBox="1"/>
+          <p:nvPr/>
+        </p:nvSpPr>
+        <p:spPr>
+          <a:xfrm>
+            <a:off x="10244430" y="5774810"/>
+            <a:ext cx="1656184" cy="369332"/>
+          </a:xfrm>
+          <a:prstGeom prst="rect">
+            <a:avLst/>
+          </a:prstGeom>
+          <a:noFill/>
+        </p:spPr>
+        <p:txBody>
+          <a:bodyPr wrap="square" rtlCol="0">
+            <a:spAutoFit/>
+          </a:bodyPr>
+          <a:lstStyle/>
+          <a:p>
+            <a:r>
+              <a:rPr lang="en-US" altLang="zh-CN" dirty="0" err="1" smtClean="0"/>
+              <a:t>System.out</a:t>
+            </a:r>
+            <a:endParaRPr lang="zh-CN" altLang="en-US" dirty="0"/>
+          </a:p>
+        </p:txBody>
+      </p:sp>
+      <p:sp>
+        <p:nvSpPr>
+          <p:cNvPr id="20" name="椭圆 19"/>
+          <p:cNvSpPr/>
+          <p:nvPr/>
+        </p:nvSpPr>
+        <p:spPr bwMode="auto">
+          <a:xfrm>
+            <a:off x="1489869" y="666517"/>
+            <a:ext cx="2016224" cy="576064"/>
+          </a:xfrm>
+          <a:prstGeom prst="ellipse">
+            <a:avLst/>
+          </a:prstGeom>
+          <a:noFill/>
+          <a:ln w="9525" cap="flat" cmpd="sng" algn="ctr">
+            <a:solidFill>
+              <a:schemeClr val="tx1"/>
+            </a:solidFill>
+            <a:prstDash val="solid"/>
+            <a:round/>
+            <a:headEnd type="none" w="med" len="med"/>
+            <a:tailEnd type="none" w="med" len="med"/>
+          </a:ln>
+          <a:effectLst/>
+          <a:extLst/>
+        </p:spPr>
+        <p:txBody>
+          <a:bodyPr vert="horz" wrap="square" lIns="91440" tIns="45720" rIns="91440" bIns="45720" numCol="1" rtlCol="0" anchor="t" anchorCtr="0" compatLnSpc="1">
+            <a:prstTxWarp prst="textNoShape">
+              <a:avLst/>
+            </a:prstTxWarp>
+          </a:bodyPr>
+          <a:lstStyle/>
+          <a:p>
+            <a:endParaRPr lang="zh-CN" altLang="en-US" smtClean="0">
+              <a:solidFill>
+                <a:srgbClr val="C4261D"/>
+              </a:solidFill>
+            </a:endParaRPr>
+          </a:p>
+        </p:txBody>
+      </p:sp>
+    </p:spTree>
+    <p:extLst>
+      <p:ext uri="{BB962C8B-B14F-4D97-AF65-F5344CB8AC3E}">
+        <p14:creationId xmlns:p14="http://schemas.microsoft.com/office/powerpoint/2010/main" val="141351999"/>
+      </p:ext>
+    </p:extLst>
+  </p:cSld>
+  <p:clrMapOvr>
+    <a:masterClrMapping/>
+  </p:clrMapOvr>
+  <p:transition spd="slow" advTm="7876">
+    <p:wipe/>
+  </p:transition>
+  <p:timing>
+    <p:tnLst>
+      <p:par>
+        <p:cTn id="1" dur="indefinite" restart="never" nodeType="tmRoot">
+          <p:childTnLst>
+            <p:seq concurrent="1" nextAc="seek">
+              <p:cTn id="2" dur="indefinite" nodeType="mainSeq">
+                <p:childTnLst>
+                  <p:par>
+                    <p:cTn id="3" fill="hold">
+                      <p:stCondLst>
+                        <p:cond delay="indefinite"/>
+                        <p:cond evt="onBegin" delay="0">
+                          <p:tn val="2"/>
+                        </p:cond>
+                      </p:stCondLst>
+                      <p:childTnLst>
+                        <p:par>
+                          <p:cTn id="4" fill="hold">
+                            <p:stCondLst>
+                              <p:cond delay="0"/>
+                            </p:stCondLst>
+                            <p:childTnLst>
+                              <p:par>
+                                <p:cTn id="5" presetID="2" presetClass="entr" presetSubtype="8" fill="hold" grpId="0" nodeType="afterEffect">
+                                  <p:stCondLst>
+                                    <p:cond delay="0"/>
+                                  </p:stCondLst>
+                                  <p:childTnLst>
+                                    <p:set>
+                                      <p:cBhvr>
+                                        <p:cTn id="6" dur="1" fill="hold">
+                                          <p:stCondLst>
+                                            <p:cond delay="0"/>
+                                          </p:stCondLst>
+                                        </p:cTn>
+                                        <p:tgtEl>
+                                          <p:spTgt spid="27"/>
+                                        </p:tgtEl>
+                                        <p:attrNameLst>
+                                          <p:attrName>style.visibility</p:attrName>
+                                        </p:attrNameLst>
+                                      </p:cBhvr>
+                                      <p:to>
+                                        <p:strVal val="visible"/>
+                                      </p:to>
+                                    </p:set>
+                                    <p:anim calcmode="lin" valueType="num">
+                                      <p:cBhvr additive="base">
+                                        <p:cTn id="7" dur="300" fill="hold"/>
+                                        <p:tgtEl>
+                                          <p:spTgt spid="27"/>
+                                        </p:tgtEl>
+                                        <p:attrNameLst>
+                                          <p:attrName>ppt_x</p:attrName>
+                                        </p:attrNameLst>
+                                      </p:cBhvr>
+                                      <p:tavLst>
+                                        <p:tav tm="0">
+                                          <p:val>
+                                            <p:strVal val="0-#ppt_w/2"/>
+                                          </p:val>
+                                        </p:tav>
+                                        <p:tav tm="100000">
+                                          <p:val>
+                                            <p:strVal val="#ppt_x"/>
+                                          </p:val>
+                                        </p:tav>
+                                      </p:tavLst>
+                                    </p:anim>
+                                    <p:anim calcmode="lin" valueType="num">
+                                      <p:cBhvr additive="base">
+                                        <p:cTn id="8" dur="300" fill="hold"/>
+                                        <p:tgtEl>
+                                          <p:spTgt spid="27"/>
+                                        </p:tgtEl>
+                                        <p:attrNameLst>
+                                          <p:attrName>ppt_y</p:attrName>
+                                        </p:attrNameLst>
+                                      </p:cBhvr>
+                                      <p:tavLst>
+                                        <p:tav tm="0">
+                                          <p:val>
+                                            <p:strVal val="#ppt_y"/>
+                                          </p:val>
+                                        </p:tav>
+                                        <p:tav tm="100000">
+                                          <p:val>
+                                            <p:strVal val="#ppt_y"/>
+                                          </p:val>
+                                        </p:tav>
+                                      </p:tavLst>
+                                    </p:anim>
+                                  </p:childTnLst>
+                                </p:cTn>
+                              </p:par>
+                            </p:childTnLst>
+                          </p:cTn>
+                        </p:par>
+                        <p:par>
+                          <p:cTn id="9" fill="hold">
+                            <p:stCondLst>
+                              <p:cond delay="300"/>
+                            </p:stCondLst>
+                            <p:childTnLst>
+                              <p:par>
+                                <p:cTn id="10" presetID="22" presetClass="entr" presetSubtype="2" fill="hold" grpId="0" nodeType="afterEffect">
+                                  <p:stCondLst>
+                                    <p:cond delay="0"/>
+                                  </p:stCondLst>
+                                  <p:childTnLst>
+                                    <p:set>
+                                      <p:cBhvr>
+                                        <p:cTn id="11" dur="1" fill="hold">
+                                          <p:stCondLst>
+                                            <p:cond delay="0"/>
+                                          </p:stCondLst>
+                                        </p:cTn>
+                                        <p:tgtEl>
+                                          <p:spTgt spid="7"/>
+                                        </p:tgtEl>
+                                        <p:attrNameLst>
+                                          <p:attrName>style.visibility</p:attrName>
+                                        </p:attrNameLst>
+                                      </p:cBhvr>
+                                      <p:to>
+                                        <p:strVal val="visible"/>
+                                      </p:to>
+                                    </p:set>
+                                    <p:animEffect transition="in" filter="wipe(right)">
+                                      <p:cBhvr>
+                                        <p:cTn id="12" dur="500"/>
+                                        <p:tgtEl>
+                                          <p:spTgt spid="7"/>
+                                        </p:tgtEl>
+                                      </p:cBhvr>
+                                    </p:animEffect>
+                                  </p:childTnLst>
+                                </p:cTn>
+                              </p:par>
+                            </p:childTnLst>
+                          </p:cTn>
+                        </p:par>
+                      </p:childTnLst>
+                    </p:cTn>
+                  </p:par>
+                </p:childTnLst>
+              </p:cTn>
+              <p:prevCondLst>
+                <p:cond evt="onPrev" delay="0">
+                  <p:tgtEl>
+                    <p:sldTgt/>
+                  </p:tgtEl>
+                </p:cond>
+              </p:prevCondLst>
+              <p:nextCondLst>
+                <p:cond evt="onNext" delay="0">
+                  <p:tgtEl>
+                    <p:sldTgt/>
+                  </p:tgtEl>
+                </p:cond>
+              </p:nextCondLst>
+            </p:seq>
+          </p:childTnLst>
+        </p:cTn>
+      </p:par>
+    </p:tnLst>
+    <p:bldLst>
+      <p:bldP spid="27" grpId="0" animBg="1"/>
+      <p:bldP spid="7" grpId="0" animBg="1"/>
+    </p:bldLst>
+  </p:timing>
+</p:sld>
+</file>
+
+<file path=ppt/slides/slide13.xml><?xml version="1.0" encoding="utf-8"?>
+<p:sld xmlns:a="http://schemas.openxmlformats.org/drawingml/2006/main" xmlns:r="http://schemas.openxmlformats.org/officeDocument/2006/relationships" xmlns:p="http://schemas.openxmlformats.org/presentationml/2006/main">
+  <p:cSld>
+    <p:bg>
+      <p:bgPr>
+        <a:solidFill>
+          <a:srgbClr val="AF2019"/>
+        </a:solidFill>
+        <a:effectLst/>
+      </p:bgPr>
+    </p:bg>
+    <p:spTree>
+      <p:nvGrpSpPr>
+        <p:cNvPr id="1" name=""/>
+        <p:cNvGrpSpPr/>
+        <p:nvPr/>
+      </p:nvGrpSpPr>
+      <p:grpSpPr>
+        <a:xfrm>
+          <a:off x="0" y="0"/>
+          <a:ext cx="0" cy="0"/>
+          <a:chOff x="0" y="0"/>
+          <a:chExt cx="0" cy="0"/>
+        </a:xfrm>
+      </p:grpSpPr>
+      <p:sp>
+        <p:nvSpPr>
+          <p:cNvPr id="22" name="矩形 21"/>
+          <p:cNvSpPr/>
+          <p:nvPr/>
+        </p:nvSpPr>
+        <p:spPr bwMode="auto">
+          <a:xfrm>
+            <a:off x="0" y="666517"/>
+            <a:ext cx="12196763" cy="6002843"/>
+          </a:xfrm>
+          <a:prstGeom prst="rect">
+            <a:avLst/>
+          </a:prstGeom>
+          <a:solidFill>
+            <a:schemeClr val="bg2">
+              <a:lumMod val="20000"/>
+              <a:lumOff val="80000"/>
+            </a:schemeClr>
+          </a:solidFill>
+          <a:ln w="9525" cap="flat" cmpd="sng" algn="ctr">
+            <a:noFill/>
+            <a:prstDash val="solid"/>
+            <a:round/>
+            <a:headEnd type="none" w="med" len="med"/>
+            <a:tailEnd type="none" w="med" len="med"/>
+          </a:ln>
+          <a:effectLst/>
+          <a:extLst/>
+        </p:spPr>
+        <p:txBody>
+          <a:bodyPr vert="horz" wrap="square" lIns="91440" tIns="45720" rIns="91440" bIns="45720" numCol="1" rtlCol="0" anchor="t" anchorCtr="0" compatLnSpc="1">
+            <a:prstTxWarp prst="textNoShape">
+              <a:avLst/>
+            </a:prstTxWarp>
+          </a:bodyPr>
+          <a:lstStyle/>
+          <a:p>
+            <a:endParaRPr lang="zh-CN" altLang="en-US" dirty="0" smtClean="0">
+              <a:solidFill>
+                <a:srgbClr val="C4261D"/>
+              </a:solidFill>
+            </a:endParaRPr>
+          </a:p>
+        </p:txBody>
+      </p:sp>
+      <p:sp>
+        <p:nvSpPr>
+          <p:cNvPr id="27" name="矩形 26"/>
+          <p:cNvSpPr/>
+          <p:nvPr/>
+        </p:nvSpPr>
+        <p:spPr bwMode="auto">
+          <a:xfrm>
+            <a:off x="0" y="238581"/>
+            <a:ext cx="409749" cy="333328"/>
+          </a:xfrm>
+          <a:prstGeom prst="rect">
+            <a:avLst/>
+          </a:prstGeom>
+          <a:solidFill>
+            <a:schemeClr val="bg1"/>
+          </a:solidFill>
+          <a:ln w="9525" cap="flat" cmpd="sng" algn="ctr">
+            <a:noFill/>
+            <a:prstDash val="solid"/>
+            <a:round/>
+            <a:headEnd type="none" w="med" len="med"/>
+            <a:tailEnd type="none" w="med" len="med"/>
+          </a:ln>
+          <a:effectLst/>
+          <a:extLst/>
+        </p:spPr>
+        <p:txBody>
+          <a:bodyPr vert="horz" wrap="square" lIns="91440" tIns="45720" rIns="91440" bIns="45720" numCol="1" rtlCol="0" anchor="t" anchorCtr="0" compatLnSpc="1">
+            <a:prstTxWarp prst="textNoShape">
+              <a:avLst/>
+            </a:prstTxWarp>
+          </a:bodyPr>
+          <a:lstStyle/>
+          <a:p>
+            <a:endParaRPr lang="zh-CN" altLang="en-US" smtClean="0">
+              <a:solidFill>
+                <a:srgbClr val="C4261D"/>
+              </a:solidFill>
+            </a:endParaRPr>
+          </a:p>
+        </p:txBody>
+      </p:sp>
+      <p:sp>
+        <p:nvSpPr>
+          <p:cNvPr id="7" name="矩形 6"/>
+          <p:cNvSpPr/>
+          <p:nvPr/>
+        </p:nvSpPr>
+        <p:spPr bwMode="auto">
+          <a:xfrm>
+            <a:off x="-5478" y="51365"/>
+            <a:ext cx="12165009" cy="615152"/>
+          </a:xfrm>
+          <a:prstGeom prst="rect">
+            <a:avLst/>
+          </a:prstGeom>
+          <a:solidFill>
+            <a:schemeClr val="tx1"/>
+          </a:solidFill>
+          <a:ln w="9525" cap="flat" cmpd="sng" algn="ctr">
+            <a:noFill/>
+            <a:prstDash val="solid"/>
+            <a:round/>
+            <a:headEnd type="none" w="med" len="med"/>
+            <a:tailEnd type="none" w="med" len="med"/>
+          </a:ln>
+          <a:effectLst/>
+          <a:extLst/>
+        </p:spPr>
+        <p:txBody>
+          <a:bodyPr vert="horz" wrap="square" lIns="91440" tIns="45720" rIns="91440" bIns="45720" numCol="1" rtlCol="0" anchor="t" anchorCtr="0" compatLnSpc="1">
+            <a:prstTxWarp prst="textNoShape">
+              <a:avLst/>
+            </a:prstTxWarp>
+          </a:bodyPr>
+          <a:lstStyle/>
+          <a:p>
+            <a:pPr algn="ctr"/>
+            <a:r>
+              <a:rPr lang="zh-CN" altLang="en-US" sz="3200" dirty="0" smtClean="0">
+                <a:solidFill>
+                  <a:srgbClr val="F8F8F8"/>
+                </a:solidFill>
+                <a:latin typeface="微软雅黑"/>
+                <a:ea typeface="微软雅黑"/>
+              </a:rPr>
               <a:t>可以实例化的是他们的子类（</a:t>
             </a:r>
             <a:r>
@@ -11440,8 +12411,8 @@
         </p:nvSpPr>
         <p:spPr>
           <a:xfrm>
-            <a:off x="5522317" y="4941168"/>
-            <a:ext cx="5750293" cy="923330"/>
+            <a:off x="5870169" y="4941168"/>
+            <a:ext cx="5054589" cy="923330"/>
           </a:xfrm>
           <a:prstGeom prst="rect">
             <a:avLst/>
@@ -11479,7 +12450,33 @@
                   </a:outerShdw>
                 </a:effectLst>
               </a:rPr>
-              <a:t>重点关注文件操作</a:t>
+              <a:t>再比如文件</a:t>
+            </a:r>
+            <a:r>
+              <a:rPr lang="zh-CN" altLang="en-US" sz="5400" b="1" cap="none" spc="0" dirty="0" smtClean="0">
+                <a:ln w="12700">
+                  <a:solidFill>
+                    <a:schemeClr val="tx2">
+                      <a:satMod val="155000"/>
+                    </a:schemeClr>
+                  </a:solidFill>
+                  <a:prstDash val="solid"/>
+                </a:ln>
+                <a:solidFill>
+                  <a:schemeClr val="bg2">
+                    <a:tint val="85000"/>
+                    <a:satMod val="155000"/>
+                  </a:schemeClr>
+                </a:solidFill>
+                <a:effectLst>
+                  <a:outerShdw blurRad="41275" dist="20320" dir="1800000" algn="tl" rotWithShape="0">
+                    <a:srgbClr val="000000">
+                      <a:alpha val="40000"/>
+                    </a:srgbClr>
+                  </a:outerShdw>
+                </a:effectLst>
+              </a:rPr>
+              <a:t>操作</a:t>
             </a:r>
             <a:endParaRPr lang="zh-CN" altLang="en-US" sz="5400" b="1" cap="none" spc="0" dirty="0">
               <a:ln w="12700">
@@ -11839,7 +12836,7 @@
 </p:sld>
 </file>
 
-<file path=ppt/slides/slide13.xml><?xml version="1.0" encoding="utf-8"?>
+<file path=ppt/slides/slide14.xml><?xml version="1.0" encoding="utf-8"?>
 <p:sld xmlns:a="http://schemas.openxmlformats.org/drawingml/2006/main" xmlns:r="http://schemas.openxmlformats.org/officeDocument/2006/relationships" xmlns:p="http://schemas.openxmlformats.org/presentationml/2006/main">
   <p:cSld>
     <p:bg>
@@ -12407,7 +13404,7 @@
 </p:sld>
 </file>
 
-<file path=ppt/slides/slide14.xml><?xml version="1.0" encoding="utf-8"?>
+<file path=ppt/slides/slide15.xml><?xml version="1.0" encoding="utf-8"?>
 <p:sld xmlns:a="http://schemas.openxmlformats.org/drawingml/2006/main" xmlns:r="http://schemas.openxmlformats.org/officeDocument/2006/relationships" xmlns:p="http://schemas.openxmlformats.org/presentationml/2006/main">
   <p:cSld>
     <p:bg>
@@ -13197,7 +14194,7 @@
 </p:sld>
 </file>
 
-<file path=ppt/slides/slide15.xml><?xml version="1.0" encoding="utf-8"?>
+<file path=ppt/slides/slide16.xml><?xml version="1.0" encoding="utf-8"?>
 <p:sld xmlns:a="http://schemas.openxmlformats.org/drawingml/2006/main" xmlns:r="http://schemas.openxmlformats.org/officeDocument/2006/relationships" xmlns:p="http://schemas.openxmlformats.org/presentationml/2006/main">
   <p:cSld>
     <p:bg>
@@ -13666,33 +14663,7 @@
                   </a:outerShdw>
                 </a:effectLst>
               </a:rPr>
-              <a:t>的</a:t>
-            </a:r>
-            <a:r>
-              <a:rPr lang="zh-CN" altLang="en-US" sz="2800" b="1" cap="none" spc="0" dirty="0" smtClean="0">
-                <a:ln w="12700">
-                  <a:solidFill>
-                    <a:schemeClr val="tx2">
-                      <a:satMod val="155000"/>
-                    </a:schemeClr>
-                  </a:solidFill>
-                  <a:prstDash val="solid"/>
-                </a:ln>
-                <a:solidFill>
-                  <a:schemeClr val="bg2">
-                    <a:tint val="85000"/>
-                    <a:satMod val="155000"/>
-                  </a:schemeClr>
-                </a:solidFill>
-                <a:effectLst>
-                  <a:outerShdw blurRad="41275" dist="20320" dir="1800000" algn="tl" rotWithShape="0">
-                    <a:srgbClr val="000000">
-                      <a:alpha val="40000"/>
-                    </a:srgbClr>
-                  </a:outerShdw>
-                </a:effectLst>
-              </a:rPr>
-              <a:t>根目录。</a:t>
+              <a:t>的根目录。</a:t>
             </a:r>
             <a:endParaRPr lang="zh-CN" altLang="en-US" sz="2800" b="1" cap="none" spc="0" dirty="0">
               <a:ln w="12700">
@@ -14018,7 +14989,7 @@
 </p:sld>
 </file>
 
-<file path=ppt/slides/slide16.xml><?xml version="1.0" encoding="utf-8"?>
+<file path=ppt/slides/slide17.xml><?xml version="1.0" encoding="utf-8"?>
 <p:sld xmlns:a="http://schemas.openxmlformats.org/drawingml/2006/main" xmlns:r="http://schemas.openxmlformats.org/officeDocument/2006/relationships" xmlns:p="http://schemas.openxmlformats.org/presentationml/2006/main">
   <p:cSld>
     <p:bg>
@@ -14440,7 +15411,7 @@
 </p:sld>
 </file>
 
-<file path=ppt/slides/slide17.xml><?xml version="1.0" encoding="utf-8"?>
+<file path=ppt/slides/slide18.xml><?xml version="1.0" encoding="utf-8"?>
 <p:sld xmlns:a="http://schemas.openxmlformats.org/drawingml/2006/main" xmlns:r="http://schemas.openxmlformats.org/officeDocument/2006/relationships" xmlns:p="http://schemas.openxmlformats.org/presentationml/2006/main">
   <p:cSld>
     <p:bg>
@@ -15156,7 +16127,7 @@
 </p:sld>
 </file>
 
-<file path=ppt/slides/slide18.xml><?xml version="1.0" encoding="utf-8"?>
+<file path=ppt/slides/slide19.xml><?xml version="1.0" encoding="utf-8"?>
 <p:sld xmlns:a="http://schemas.openxmlformats.org/drawingml/2006/main" xmlns:r="http://schemas.openxmlformats.org/officeDocument/2006/relationships" xmlns:p="http://schemas.openxmlformats.org/presentationml/2006/main">
   <p:cSld>
     <p:bg>
@@ -15862,607 +16833,6 @@
     <p:bldLst>
       <p:bldP spid="77" grpId="0"/>
       <p:bldP spid="27" grpId="0" animBg="1"/>
-    </p:bldLst>
-  </p:timing>
-</p:sld>
-</file>
-
-<file path=ppt/slides/slide19.xml><?xml version="1.0" encoding="utf-8"?>
-<p:sld xmlns:a="http://schemas.openxmlformats.org/drawingml/2006/main" xmlns:r="http://schemas.openxmlformats.org/officeDocument/2006/relationships" xmlns:p="http://schemas.openxmlformats.org/presentationml/2006/main">
-  <p:cSld>
-    <p:bg>
-      <p:bgPr>
-        <a:solidFill>
-          <a:srgbClr val="AF2019"/>
-        </a:solidFill>
-        <a:effectLst/>
-      </p:bgPr>
-    </p:bg>
-    <p:spTree>
-      <p:nvGrpSpPr>
-        <p:cNvPr id="1" name=""/>
-        <p:cNvGrpSpPr/>
-        <p:nvPr/>
-      </p:nvGrpSpPr>
-      <p:grpSpPr>
-        <a:xfrm>
-          <a:off x="0" y="0"/>
-          <a:ext cx="0" cy="0"/>
-          <a:chOff x="0" y="0"/>
-          <a:chExt cx="0" cy="0"/>
-        </a:xfrm>
-      </p:grpSpPr>
-      <p:sp>
-        <p:nvSpPr>
-          <p:cNvPr id="22" name="矩形 21"/>
-          <p:cNvSpPr/>
-          <p:nvPr/>
-        </p:nvSpPr>
-        <p:spPr bwMode="auto">
-          <a:xfrm>
-            <a:off x="0" y="666517"/>
-            <a:ext cx="12196763" cy="6002843"/>
-          </a:xfrm>
-          <a:prstGeom prst="rect">
-            <a:avLst/>
-          </a:prstGeom>
-          <a:solidFill>
-            <a:schemeClr val="bg2">
-              <a:lumMod val="20000"/>
-              <a:lumOff val="80000"/>
-            </a:schemeClr>
-          </a:solidFill>
-          <a:ln w="9525" cap="flat" cmpd="sng" algn="ctr">
-            <a:noFill/>
-            <a:prstDash val="solid"/>
-            <a:round/>
-            <a:headEnd type="none" w="med" len="med"/>
-            <a:tailEnd type="none" w="med" len="med"/>
-          </a:ln>
-          <a:effectLst/>
-          <a:extLst/>
-        </p:spPr>
-        <p:txBody>
-          <a:bodyPr vert="horz" wrap="square" lIns="91440" tIns="45720" rIns="91440" bIns="45720" numCol="1" rtlCol="0" anchor="t" anchorCtr="0" compatLnSpc="1">
-            <a:prstTxWarp prst="textNoShape">
-              <a:avLst/>
-            </a:prstTxWarp>
-          </a:bodyPr>
-          <a:lstStyle/>
-          <a:p>
-            <a:endParaRPr lang="zh-CN" altLang="en-US" dirty="0" smtClean="0">
-              <a:solidFill>
-                <a:srgbClr val="C4261D"/>
-              </a:solidFill>
-            </a:endParaRPr>
-          </a:p>
-        </p:txBody>
-      </p:sp>
-      <p:sp>
-        <p:nvSpPr>
-          <p:cNvPr id="77" name="TextBox 76"/>
-          <p:cNvSpPr txBox="1"/>
-          <p:nvPr/>
-        </p:nvSpPr>
-        <p:spPr>
-          <a:xfrm>
-            <a:off x="434670" y="174412"/>
-            <a:ext cx="1877437" cy="430887"/>
-          </a:xfrm>
-          <a:prstGeom prst="rect">
-            <a:avLst/>
-          </a:prstGeom>
-          <a:noFill/>
-        </p:spPr>
-        <p:txBody>
-          <a:bodyPr wrap="none" rtlCol="0">
-            <a:spAutoFit/>
-          </a:bodyPr>
-          <a:lstStyle/>
-          <a:p>
-            <a:r>
-              <a:rPr lang="zh-CN" altLang="en-US" sz="2200" dirty="0" smtClean="0">
-                <a:solidFill>
-                  <a:srgbClr val="C2C1C1">
-                    <a:lumMod val="20000"/>
-                    <a:lumOff val="80000"/>
-                  </a:srgbClr>
-                </a:solidFill>
-                <a:latin typeface="微软雅黑"/>
-                <a:ea typeface="微软雅黑"/>
-              </a:rPr>
-              <a:t>复制一个文件</a:t>
-            </a:r>
-            <a:endParaRPr lang="zh-CN" altLang="en-US" sz="2200" dirty="0">
-              <a:solidFill>
-                <a:srgbClr val="C2C1C1">
-                  <a:lumMod val="20000"/>
-                  <a:lumOff val="80000"/>
-                </a:srgbClr>
-              </a:solidFill>
-              <a:latin typeface="微软雅黑"/>
-              <a:ea typeface="微软雅黑"/>
-            </a:endParaRPr>
-          </a:p>
-        </p:txBody>
-      </p:sp>
-      <p:sp>
-        <p:nvSpPr>
-          <p:cNvPr id="27" name="矩形 26"/>
-          <p:cNvSpPr/>
-          <p:nvPr/>
-        </p:nvSpPr>
-        <p:spPr bwMode="auto">
-          <a:xfrm>
-            <a:off x="0" y="238581"/>
-            <a:ext cx="409749" cy="333328"/>
-          </a:xfrm>
-          <a:prstGeom prst="rect">
-            <a:avLst/>
-          </a:prstGeom>
-          <a:solidFill>
-            <a:schemeClr val="bg1"/>
-          </a:solidFill>
-          <a:ln w="9525" cap="flat" cmpd="sng" algn="ctr">
-            <a:noFill/>
-            <a:prstDash val="solid"/>
-            <a:round/>
-            <a:headEnd type="none" w="med" len="med"/>
-            <a:tailEnd type="none" w="med" len="med"/>
-          </a:ln>
-          <a:effectLst/>
-          <a:extLst/>
-        </p:spPr>
-        <p:txBody>
-          <a:bodyPr vert="horz" wrap="square" lIns="91440" tIns="45720" rIns="91440" bIns="45720" numCol="1" rtlCol="0" anchor="t" anchorCtr="0" compatLnSpc="1">
-            <a:prstTxWarp prst="textNoShape">
-              <a:avLst/>
-            </a:prstTxWarp>
-          </a:bodyPr>
-          <a:lstStyle/>
-          <a:p>
-            <a:endParaRPr lang="zh-CN" altLang="en-US" smtClean="0">
-              <a:solidFill>
-                <a:srgbClr val="C4261D"/>
-              </a:solidFill>
-            </a:endParaRPr>
-          </a:p>
-        </p:txBody>
-      </p:sp>
-      <p:sp>
-        <p:nvSpPr>
-          <p:cNvPr id="6" name="矩形 5"/>
-          <p:cNvSpPr/>
-          <p:nvPr/>
-        </p:nvSpPr>
-        <p:spPr bwMode="auto">
-          <a:xfrm>
-            <a:off x="17224" y="2780928"/>
-            <a:ext cx="12196762" cy="648072"/>
-          </a:xfrm>
-          <a:prstGeom prst="rect">
-            <a:avLst/>
-          </a:prstGeom>
-          <a:solidFill>
-            <a:schemeClr val="tx1"/>
-          </a:solidFill>
-          <a:ln w="9525" cap="flat" cmpd="sng" algn="ctr">
-            <a:noFill/>
-            <a:prstDash val="solid"/>
-            <a:round/>
-            <a:headEnd type="none" w="med" len="med"/>
-            <a:tailEnd type="none" w="med" len="med"/>
-          </a:ln>
-          <a:effectLst/>
-          <a:extLst/>
-        </p:spPr>
-        <p:txBody>
-          <a:bodyPr vert="horz" wrap="square" lIns="91440" tIns="45720" rIns="91440" bIns="45720" numCol="1" rtlCol="0" anchor="t" anchorCtr="0" compatLnSpc="1">
-            <a:prstTxWarp prst="textNoShape">
-              <a:avLst/>
-            </a:prstTxWarp>
-          </a:bodyPr>
-          <a:lstStyle/>
-          <a:p>
-            <a:pPr algn="ctr"/>
-            <a:r>
-              <a:rPr lang="en-US" altLang="zh-CN" sz="3200" dirty="0" err="1" smtClean="0">
-                <a:solidFill>
-                  <a:srgbClr val="F8F8F8"/>
-                </a:solidFill>
-                <a:latin typeface="微软雅黑"/>
-                <a:ea typeface="微软雅黑"/>
-              </a:rPr>
-              <a:t>InputStream</a:t>
-            </a:r>
-            <a:r>
-              <a:rPr lang="zh-CN" altLang="en-US" sz="3200" dirty="0" smtClean="0">
-                <a:solidFill>
-                  <a:srgbClr val="F8F8F8"/>
-                </a:solidFill>
-                <a:latin typeface="微软雅黑"/>
-                <a:ea typeface="微软雅黑"/>
-              </a:rPr>
-              <a:t>和</a:t>
-            </a:r>
-            <a:r>
-              <a:rPr lang="en-US" altLang="zh-CN" sz="3200" dirty="0" err="1" smtClean="0">
-                <a:solidFill>
-                  <a:srgbClr val="F8F8F8"/>
-                </a:solidFill>
-                <a:latin typeface="微软雅黑"/>
-                <a:ea typeface="微软雅黑"/>
-              </a:rPr>
-              <a:t>OutputStream</a:t>
-            </a:r>
-            <a:r>
-              <a:rPr lang="zh-CN" altLang="en-US" sz="3200" dirty="0" smtClean="0">
-                <a:solidFill>
-                  <a:srgbClr val="F8F8F8"/>
-                </a:solidFill>
-                <a:latin typeface="微软雅黑"/>
-                <a:ea typeface="微软雅黑"/>
-              </a:rPr>
-              <a:t>联合使用</a:t>
-            </a:r>
-            <a:r>
-              <a:rPr lang="en-US" altLang="zh-CN" sz="3200" dirty="0" smtClean="0">
-                <a:solidFill>
-                  <a:srgbClr val="F8F8F8"/>
-                </a:solidFill>
-                <a:latin typeface="微软雅黑"/>
-                <a:ea typeface="微软雅黑"/>
-              </a:rPr>
-              <a:t>. p287</a:t>
-            </a:r>
-            <a:endParaRPr lang="zh-CN" altLang="en-US" sz="2000" dirty="0" smtClean="0">
-              <a:solidFill>
-                <a:srgbClr val="F8F8F8"/>
-              </a:solidFill>
-              <a:latin typeface="微软雅黑"/>
-              <a:ea typeface="微软雅黑"/>
-            </a:endParaRPr>
-          </a:p>
-        </p:txBody>
-      </p:sp>
-    </p:spTree>
-    <p:extLst>
-      <p:ext uri="{BB962C8B-B14F-4D97-AF65-F5344CB8AC3E}">
-        <p14:creationId xmlns:p14="http://schemas.microsoft.com/office/powerpoint/2010/main" val="2926856616"/>
-      </p:ext>
-    </p:extLst>
-  </p:cSld>
-  <p:clrMapOvr>
-    <a:masterClrMapping/>
-  </p:clrMapOvr>
-  <p:transition spd="slow" advTm="7876">
-    <p:wipe/>
-  </p:transition>
-  <p:timing>
-    <p:tnLst>
-      <p:par>
-        <p:cTn id="1" dur="indefinite" restart="never" nodeType="tmRoot">
-          <p:childTnLst>
-            <p:seq concurrent="1" nextAc="seek">
-              <p:cTn id="2" dur="indefinite" nodeType="mainSeq">
-                <p:childTnLst>
-                  <p:par>
-                    <p:cTn id="3" fill="hold">
-                      <p:stCondLst>
-                        <p:cond delay="indefinite"/>
-                        <p:cond evt="onBegin" delay="0">
-                          <p:tn val="2"/>
-                        </p:cond>
-                      </p:stCondLst>
-                      <p:childTnLst>
-                        <p:par>
-                          <p:cTn id="4" fill="hold">
-                            <p:stCondLst>
-                              <p:cond delay="0"/>
-                            </p:stCondLst>
-                            <p:childTnLst>
-                              <p:par>
-                                <p:cTn id="5" presetID="2" presetClass="entr" presetSubtype="8" fill="hold" grpId="0" nodeType="afterEffect">
-                                  <p:stCondLst>
-                                    <p:cond delay="0"/>
-                                  </p:stCondLst>
-                                  <p:childTnLst>
-                                    <p:set>
-                                      <p:cBhvr>
-                                        <p:cTn id="6" dur="1" fill="hold">
-                                          <p:stCondLst>
-                                            <p:cond delay="0"/>
-                                          </p:stCondLst>
-                                        </p:cTn>
-                                        <p:tgtEl>
-                                          <p:spTgt spid="27"/>
-                                        </p:tgtEl>
-                                        <p:attrNameLst>
-                                          <p:attrName>style.visibility</p:attrName>
-                                        </p:attrNameLst>
-                                      </p:cBhvr>
-                                      <p:to>
-                                        <p:strVal val="visible"/>
-                                      </p:to>
-                                    </p:set>
-                                    <p:anim calcmode="lin" valueType="num">
-                                      <p:cBhvr additive="base">
-                                        <p:cTn id="7" dur="300" fill="hold"/>
-                                        <p:tgtEl>
-                                          <p:spTgt spid="27"/>
-                                        </p:tgtEl>
-                                        <p:attrNameLst>
-                                          <p:attrName>ppt_x</p:attrName>
-                                        </p:attrNameLst>
-                                      </p:cBhvr>
-                                      <p:tavLst>
-                                        <p:tav tm="0">
-                                          <p:val>
-                                            <p:strVal val="0-#ppt_w/2"/>
-                                          </p:val>
-                                        </p:tav>
-                                        <p:tav tm="100000">
-                                          <p:val>
-                                            <p:strVal val="#ppt_x"/>
-                                          </p:val>
-                                        </p:tav>
-                                      </p:tavLst>
-                                    </p:anim>
-                                    <p:anim calcmode="lin" valueType="num">
-                                      <p:cBhvr additive="base">
-                                        <p:cTn id="8" dur="300" fill="hold"/>
-                                        <p:tgtEl>
-                                          <p:spTgt spid="27"/>
-                                        </p:tgtEl>
-                                        <p:attrNameLst>
-                                          <p:attrName>ppt_y</p:attrName>
-                                        </p:attrNameLst>
-                                      </p:cBhvr>
-                                      <p:tavLst>
-                                        <p:tav tm="0">
-                                          <p:val>
-                                            <p:strVal val="#ppt_y"/>
-                                          </p:val>
-                                        </p:tav>
-                                        <p:tav tm="100000">
-                                          <p:val>
-                                            <p:strVal val="#ppt_y"/>
-                                          </p:val>
-                                        </p:tav>
-                                      </p:tavLst>
-                                    </p:anim>
-                                  </p:childTnLst>
-                                </p:cTn>
-                              </p:par>
-                            </p:childTnLst>
-                          </p:cTn>
-                        </p:par>
-                        <p:par>
-                          <p:cTn id="9" fill="hold">
-                            <p:stCondLst>
-                              <p:cond delay="300"/>
-                            </p:stCondLst>
-                            <p:childTnLst>
-                              <p:par>
-                                <p:cTn id="10" presetID="41" presetClass="entr" presetSubtype="0" fill="hold" grpId="0" nodeType="afterEffect">
-                                  <p:stCondLst>
-                                    <p:cond delay="0"/>
-                                  </p:stCondLst>
-                                  <p:iterate type="lt">
-                                    <p:tmPct val="10000"/>
-                                  </p:iterate>
-                                  <p:childTnLst>
-                                    <p:set>
-                                      <p:cBhvr>
-                                        <p:cTn id="11" dur="1" fill="hold">
-                                          <p:stCondLst>
-                                            <p:cond delay="0"/>
-                                          </p:stCondLst>
-                                        </p:cTn>
-                                        <p:tgtEl>
-                                          <p:spTgt spid="77"/>
-                                        </p:tgtEl>
-                                        <p:attrNameLst>
-                                          <p:attrName>style.visibility</p:attrName>
-                                        </p:attrNameLst>
-                                      </p:cBhvr>
-                                      <p:to>
-                                        <p:strVal val="visible"/>
-                                      </p:to>
-                                    </p:set>
-                                    <p:anim calcmode="lin" valueType="num">
-                                      <p:cBhvr>
-                                        <p:cTn id="12" dur="400" fill="hold"/>
-                                        <p:tgtEl>
-                                          <p:spTgt spid="77"/>
-                                        </p:tgtEl>
-                                        <p:attrNameLst>
-                                          <p:attrName>ppt_x</p:attrName>
-                                        </p:attrNameLst>
-                                      </p:cBhvr>
-                                      <p:tavLst>
-                                        <p:tav tm="0">
-                                          <p:val>
-                                            <p:strVal val="#ppt_x"/>
-                                          </p:val>
-                                        </p:tav>
-                                        <p:tav tm="50000">
-                                          <p:val>
-                                            <p:strVal val="#ppt_x+.1"/>
-                                          </p:val>
-                                        </p:tav>
-                                        <p:tav tm="100000">
-                                          <p:val>
-                                            <p:strVal val="#ppt_x"/>
-                                          </p:val>
-                                        </p:tav>
-                                      </p:tavLst>
-                                    </p:anim>
-                                    <p:anim calcmode="lin" valueType="num">
-                                      <p:cBhvr>
-                                        <p:cTn id="13" dur="400" fill="hold"/>
-                                        <p:tgtEl>
-                                          <p:spTgt spid="77"/>
-                                        </p:tgtEl>
-                                        <p:attrNameLst>
-                                          <p:attrName>ppt_y</p:attrName>
-                                        </p:attrNameLst>
-                                      </p:cBhvr>
-                                      <p:tavLst>
-                                        <p:tav tm="0">
-                                          <p:val>
-                                            <p:strVal val="#ppt_y"/>
-                                          </p:val>
-                                        </p:tav>
-                                        <p:tav tm="100000">
-                                          <p:val>
-                                            <p:strVal val="#ppt_y"/>
-                                          </p:val>
-                                        </p:tav>
-                                      </p:tavLst>
-                                    </p:anim>
-                                    <p:anim calcmode="lin" valueType="num">
-                                      <p:cBhvr>
-                                        <p:cTn id="14" dur="400" fill="hold"/>
-                                        <p:tgtEl>
-                                          <p:spTgt spid="77"/>
-                                        </p:tgtEl>
-                                        <p:attrNameLst>
-                                          <p:attrName>ppt_h</p:attrName>
-                                        </p:attrNameLst>
-                                      </p:cBhvr>
-                                      <p:tavLst>
-                                        <p:tav tm="0">
-                                          <p:val>
-                                            <p:strVal val="#ppt_h/10"/>
-                                          </p:val>
-                                        </p:tav>
-                                        <p:tav tm="50000">
-                                          <p:val>
-                                            <p:strVal val="#ppt_h+.01"/>
-                                          </p:val>
-                                        </p:tav>
-                                        <p:tav tm="100000">
-                                          <p:val>
-                                            <p:strVal val="#ppt_h"/>
-                                          </p:val>
-                                        </p:tav>
-                                      </p:tavLst>
-                                    </p:anim>
-                                    <p:anim calcmode="lin" valueType="num">
-                                      <p:cBhvr>
-                                        <p:cTn id="15" dur="400" fill="hold"/>
-                                        <p:tgtEl>
-                                          <p:spTgt spid="77"/>
-                                        </p:tgtEl>
-                                        <p:attrNameLst>
-                                          <p:attrName>ppt_w</p:attrName>
-                                        </p:attrNameLst>
-                                      </p:cBhvr>
-                                      <p:tavLst>
-                                        <p:tav tm="0">
-                                          <p:val>
-                                            <p:strVal val="#ppt_w/10"/>
-                                          </p:val>
-                                        </p:tav>
-                                        <p:tav tm="50000">
-                                          <p:val>
-                                            <p:strVal val="#ppt_w+.01"/>
-                                          </p:val>
-                                        </p:tav>
-                                        <p:tav tm="100000">
-                                          <p:val>
-                                            <p:strVal val="#ppt_w"/>
-                                          </p:val>
-                                        </p:tav>
-                                      </p:tavLst>
-                                    </p:anim>
-                                    <p:animEffect transition="in" filter="fade">
-                                      <p:cBhvr>
-                                        <p:cTn id="16" dur="400" tmFilter="0,0; .5, 1; 1, 1"/>
-                                        <p:tgtEl>
-                                          <p:spTgt spid="77"/>
-                                        </p:tgtEl>
-                                      </p:cBhvr>
-                                    </p:animEffect>
-                                  </p:childTnLst>
-                                </p:cTn>
-                              </p:par>
-                            </p:childTnLst>
-                          </p:cTn>
-                        </p:par>
-                        <p:par>
-                          <p:cTn id="17" fill="hold">
-                            <p:stCondLst>
-                              <p:cond delay="900"/>
-                            </p:stCondLst>
-                            <p:childTnLst>
-                              <p:par>
-                                <p:cTn id="18" presetID="22" presetClass="entr" presetSubtype="2" fill="hold" grpId="0" nodeType="afterEffect">
-                                  <p:stCondLst>
-                                    <p:cond delay="0"/>
-                                  </p:stCondLst>
-                                  <p:childTnLst>
-                                    <p:set>
-                                      <p:cBhvr>
-                                        <p:cTn id="19" dur="1" fill="hold">
-                                          <p:stCondLst>
-                                            <p:cond delay="0"/>
-                                          </p:stCondLst>
-                                        </p:cTn>
-                                        <p:tgtEl>
-                                          <p:spTgt spid="6"/>
-                                        </p:tgtEl>
-                                        <p:attrNameLst>
-                                          <p:attrName>style.visibility</p:attrName>
-                                        </p:attrNameLst>
-                                      </p:cBhvr>
-                                      <p:to>
-                                        <p:strVal val="visible"/>
-                                      </p:to>
-                                    </p:set>
-                                    <p:animEffect transition="in" filter="wipe(right)">
-                                      <p:cBhvr>
-                                        <p:cTn id="20" dur="500"/>
-                                        <p:tgtEl>
-                                          <p:spTgt spid="6"/>
-                                        </p:tgtEl>
-                                      </p:cBhvr>
-                                    </p:animEffect>
-                                  </p:childTnLst>
-                                </p:cTn>
-                              </p:par>
-                            </p:childTnLst>
-                          </p:cTn>
-                        </p:par>
-                      </p:childTnLst>
-                    </p:cTn>
-                  </p:par>
-                </p:childTnLst>
-              </p:cTn>
-              <p:prevCondLst>
-                <p:cond evt="onPrev" delay="0">
-                  <p:tgtEl>
-                    <p:sldTgt/>
-                  </p:tgtEl>
-                </p:cond>
-              </p:prevCondLst>
-              <p:nextCondLst>
-                <p:cond evt="onNext" delay="0">
-                  <p:tgtEl>
-                    <p:sldTgt/>
-                  </p:tgtEl>
-                </p:cond>
-              </p:nextCondLst>
-            </p:seq>
-          </p:childTnLst>
-        </p:cTn>
-      </p:par>
-    </p:tnLst>
-    <p:bldLst>
-      <p:bldP spid="77" grpId="0"/>
-      <p:bldP spid="27" grpId="0" animBg="1"/>
-      <p:bldP spid="6" grpId="0" animBg="1"/>
     </p:bldLst>
   </p:timing>
 </p:sld>
@@ -19273,6 +19643,607 @@
         <p:spPr>
           <a:xfrm>
             <a:off x="434670" y="174412"/>
+            <a:ext cx="1877437" cy="430887"/>
+          </a:xfrm>
+          <a:prstGeom prst="rect">
+            <a:avLst/>
+          </a:prstGeom>
+          <a:noFill/>
+        </p:spPr>
+        <p:txBody>
+          <a:bodyPr wrap="none" rtlCol="0">
+            <a:spAutoFit/>
+          </a:bodyPr>
+          <a:lstStyle/>
+          <a:p>
+            <a:r>
+              <a:rPr lang="zh-CN" altLang="en-US" sz="2200" dirty="0" smtClean="0">
+                <a:solidFill>
+                  <a:srgbClr val="C2C1C1">
+                    <a:lumMod val="20000"/>
+                    <a:lumOff val="80000"/>
+                  </a:srgbClr>
+                </a:solidFill>
+                <a:latin typeface="微软雅黑"/>
+                <a:ea typeface="微软雅黑"/>
+              </a:rPr>
+              <a:t>复制一个文件</a:t>
+            </a:r>
+            <a:endParaRPr lang="zh-CN" altLang="en-US" sz="2200" dirty="0">
+              <a:solidFill>
+                <a:srgbClr val="C2C1C1">
+                  <a:lumMod val="20000"/>
+                  <a:lumOff val="80000"/>
+                </a:srgbClr>
+              </a:solidFill>
+              <a:latin typeface="微软雅黑"/>
+              <a:ea typeface="微软雅黑"/>
+            </a:endParaRPr>
+          </a:p>
+        </p:txBody>
+      </p:sp>
+      <p:sp>
+        <p:nvSpPr>
+          <p:cNvPr id="27" name="矩形 26"/>
+          <p:cNvSpPr/>
+          <p:nvPr/>
+        </p:nvSpPr>
+        <p:spPr bwMode="auto">
+          <a:xfrm>
+            <a:off x="0" y="238581"/>
+            <a:ext cx="409749" cy="333328"/>
+          </a:xfrm>
+          <a:prstGeom prst="rect">
+            <a:avLst/>
+          </a:prstGeom>
+          <a:solidFill>
+            <a:schemeClr val="bg1"/>
+          </a:solidFill>
+          <a:ln w="9525" cap="flat" cmpd="sng" algn="ctr">
+            <a:noFill/>
+            <a:prstDash val="solid"/>
+            <a:round/>
+            <a:headEnd type="none" w="med" len="med"/>
+            <a:tailEnd type="none" w="med" len="med"/>
+          </a:ln>
+          <a:effectLst/>
+          <a:extLst/>
+        </p:spPr>
+        <p:txBody>
+          <a:bodyPr vert="horz" wrap="square" lIns="91440" tIns="45720" rIns="91440" bIns="45720" numCol="1" rtlCol="0" anchor="t" anchorCtr="0" compatLnSpc="1">
+            <a:prstTxWarp prst="textNoShape">
+              <a:avLst/>
+            </a:prstTxWarp>
+          </a:bodyPr>
+          <a:lstStyle/>
+          <a:p>
+            <a:endParaRPr lang="zh-CN" altLang="en-US" smtClean="0">
+              <a:solidFill>
+                <a:srgbClr val="C4261D"/>
+              </a:solidFill>
+            </a:endParaRPr>
+          </a:p>
+        </p:txBody>
+      </p:sp>
+      <p:sp>
+        <p:nvSpPr>
+          <p:cNvPr id="6" name="矩形 5"/>
+          <p:cNvSpPr/>
+          <p:nvPr/>
+        </p:nvSpPr>
+        <p:spPr bwMode="auto">
+          <a:xfrm>
+            <a:off x="17224" y="2780928"/>
+            <a:ext cx="12196762" cy="648072"/>
+          </a:xfrm>
+          <a:prstGeom prst="rect">
+            <a:avLst/>
+          </a:prstGeom>
+          <a:solidFill>
+            <a:schemeClr val="tx1"/>
+          </a:solidFill>
+          <a:ln w="9525" cap="flat" cmpd="sng" algn="ctr">
+            <a:noFill/>
+            <a:prstDash val="solid"/>
+            <a:round/>
+            <a:headEnd type="none" w="med" len="med"/>
+            <a:tailEnd type="none" w="med" len="med"/>
+          </a:ln>
+          <a:effectLst/>
+          <a:extLst/>
+        </p:spPr>
+        <p:txBody>
+          <a:bodyPr vert="horz" wrap="square" lIns="91440" tIns="45720" rIns="91440" bIns="45720" numCol="1" rtlCol="0" anchor="t" anchorCtr="0" compatLnSpc="1">
+            <a:prstTxWarp prst="textNoShape">
+              <a:avLst/>
+            </a:prstTxWarp>
+          </a:bodyPr>
+          <a:lstStyle/>
+          <a:p>
+            <a:pPr algn="ctr"/>
+            <a:r>
+              <a:rPr lang="en-US" altLang="zh-CN" sz="3200" dirty="0" err="1" smtClean="0">
+                <a:solidFill>
+                  <a:srgbClr val="F8F8F8"/>
+                </a:solidFill>
+                <a:latin typeface="微软雅黑"/>
+                <a:ea typeface="微软雅黑"/>
+              </a:rPr>
+              <a:t>InputStream</a:t>
+            </a:r>
+            <a:r>
+              <a:rPr lang="zh-CN" altLang="en-US" sz="3200" dirty="0" smtClean="0">
+                <a:solidFill>
+                  <a:srgbClr val="F8F8F8"/>
+                </a:solidFill>
+                <a:latin typeface="微软雅黑"/>
+                <a:ea typeface="微软雅黑"/>
+              </a:rPr>
+              <a:t>和</a:t>
+            </a:r>
+            <a:r>
+              <a:rPr lang="en-US" altLang="zh-CN" sz="3200" dirty="0" err="1" smtClean="0">
+                <a:solidFill>
+                  <a:srgbClr val="F8F8F8"/>
+                </a:solidFill>
+                <a:latin typeface="微软雅黑"/>
+                <a:ea typeface="微软雅黑"/>
+              </a:rPr>
+              <a:t>OutputStream</a:t>
+            </a:r>
+            <a:r>
+              <a:rPr lang="zh-CN" altLang="en-US" sz="3200" dirty="0" smtClean="0">
+                <a:solidFill>
+                  <a:srgbClr val="F8F8F8"/>
+                </a:solidFill>
+                <a:latin typeface="微软雅黑"/>
+                <a:ea typeface="微软雅黑"/>
+              </a:rPr>
+              <a:t>联合使用</a:t>
+            </a:r>
+            <a:r>
+              <a:rPr lang="en-US" altLang="zh-CN" sz="3200" dirty="0" smtClean="0">
+                <a:solidFill>
+                  <a:srgbClr val="F8F8F8"/>
+                </a:solidFill>
+                <a:latin typeface="微软雅黑"/>
+                <a:ea typeface="微软雅黑"/>
+              </a:rPr>
+              <a:t>. p287</a:t>
+            </a:r>
+            <a:endParaRPr lang="zh-CN" altLang="en-US" sz="2000" dirty="0" smtClean="0">
+              <a:solidFill>
+                <a:srgbClr val="F8F8F8"/>
+              </a:solidFill>
+              <a:latin typeface="微软雅黑"/>
+              <a:ea typeface="微软雅黑"/>
+            </a:endParaRPr>
+          </a:p>
+        </p:txBody>
+      </p:sp>
+    </p:spTree>
+    <p:extLst>
+      <p:ext uri="{BB962C8B-B14F-4D97-AF65-F5344CB8AC3E}">
+        <p14:creationId xmlns:p14="http://schemas.microsoft.com/office/powerpoint/2010/main" val="2926856616"/>
+      </p:ext>
+    </p:extLst>
+  </p:cSld>
+  <p:clrMapOvr>
+    <a:masterClrMapping/>
+  </p:clrMapOvr>
+  <p:transition spd="slow" advTm="7876">
+    <p:wipe/>
+  </p:transition>
+  <p:timing>
+    <p:tnLst>
+      <p:par>
+        <p:cTn id="1" dur="indefinite" restart="never" nodeType="tmRoot">
+          <p:childTnLst>
+            <p:seq concurrent="1" nextAc="seek">
+              <p:cTn id="2" dur="indefinite" nodeType="mainSeq">
+                <p:childTnLst>
+                  <p:par>
+                    <p:cTn id="3" fill="hold">
+                      <p:stCondLst>
+                        <p:cond delay="indefinite"/>
+                        <p:cond evt="onBegin" delay="0">
+                          <p:tn val="2"/>
+                        </p:cond>
+                      </p:stCondLst>
+                      <p:childTnLst>
+                        <p:par>
+                          <p:cTn id="4" fill="hold">
+                            <p:stCondLst>
+                              <p:cond delay="0"/>
+                            </p:stCondLst>
+                            <p:childTnLst>
+                              <p:par>
+                                <p:cTn id="5" presetID="2" presetClass="entr" presetSubtype="8" fill="hold" grpId="0" nodeType="afterEffect">
+                                  <p:stCondLst>
+                                    <p:cond delay="0"/>
+                                  </p:stCondLst>
+                                  <p:childTnLst>
+                                    <p:set>
+                                      <p:cBhvr>
+                                        <p:cTn id="6" dur="1" fill="hold">
+                                          <p:stCondLst>
+                                            <p:cond delay="0"/>
+                                          </p:stCondLst>
+                                        </p:cTn>
+                                        <p:tgtEl>
+                                          <p:spTgt spid="27"/>
+                                        </p:tgtEl>
+                                        <p:attrNameLst>
+                                          <p:attrName>style.visibility</p:attrName>
+                                        </p:attrNameLst>
+                                      </p:cBhvr>
+                                      <p:to>
+                                        <p:strVal val="visible"/>
+                                      </p:to>
+                                    </p:set>
+                                    <p:anim calcmode="lin" valueType="num">
+                                      <p:cBhvr additive="base">
+                                        <p:cTn id="7" dur="300" fill="hold"/>
+                                        <p:tgtEl>
+                                          <p:spTgt spid="27"/>
+                                        </p:tgtEl>
+                                        <p:attrNameLst>
+                                          <p:attrName>ppt_x</p:attrName>
+                                        </p:attrNameLst>
+                                      </p:cBhvr>
+                                      <p:tavLst>
+                                        <p:tav tm="0">
+                                          <p:val>
+                                            <p:strVal val="0-#ppt_w/2"/>
+                                          </p:val>
+                                        </p:tav>
+                                        <p:tav tm="100000">
+                                          <p:val>
+                                            <p:strVal val="#ppt_x"/>
+                                          </p:val>
+                                        </p:tav>
+                                      </p:tavLst>
+                                    </p:anim>
+                                    <p:anim calcmode="lin" valueType="num">
+                                      <p:cBhvr additive="base">
+                                        <p:cTn id="8" dur="300" fill="hold"/>
+                                        <p:tgtEl>
+                                          <p:spTgt spid="27"/>
+                                        </p:tgtEl>
+                                        <p:attrNameLst>
+                                          <p:attrName>ppt_y</p:attrName>
+                                        </p:attrNameLst>
+                                      </p:cBhvr>
+                                      <p:tavLst>
+                                        <p:tav tm="0">
+                                          <p:val>
+                                            <p:strVal val="#ppt_y"/>
+                                          </p:val>
+                                        </p:tav>
+                                        <p:tav tm="100000">
+                                          <p:val>
+                                            <p:strVal val="#ppt_y"/>
+                                          </p:val>
+                                        </p:tav>
+                                      </p:tavLst>
+                                    </p:anim>
+                                  </p:childTnLst>
+                                </p:cTn>
+                              </p:par>
+                            </p:childTnLst>
+                          </p:cTn>
+                        </p:par>
+                        <p:par>
+                          <p:cTn id="9" fill="hold">
+                            <p:stCondLst>
+                              <p:cond delay="300"/>
+                            </p:stCondLst>
+                            <p:childTnLst>
+                              <p:par>
+                                <p:cTn id="10" presetID="41" presetClass="entr" presetSubtype="0" fill="hold" grpId="0" nodeType="afterEffect">
+                                  <p:stCondLst>
+                                    <p:cond delay="0"/>
+                                  </p:stCondLst>
+                                  <p:iterate type="lt">
+                                    <p:tmPct val="10000"/>
+                                  </p:iterate>
+                                  <p:childTnLst>
+                                    <p:set>
+                                      <p:cBhvr>
+                                        <p:cTn id="11" dur="1" fill="hold">
+                                          <p:stCondLst>
+                                            <p:cond delay="0"/>
+                                          </p:stCondLst>
+                                        </p:cTn>
+                                        <p:tgtEl>
+                                          <p:spTgt spid="77"/>
+                                        </p:tgtEl>
+                                        <p:attrNameLst>
+                                          <p:attrName>style.visibility</p:attrName>
+                                        </p:attrNameLst>
+                                      </p:cBhvr>
+                                      <p:to>
+                                        <p:strVal val="visible"/>
+                                      </p:to>
+                                    </p:set>
+                                    <p:anim calcmode="lin" valueType="num">
+                                      <p:cBhvr>
+                                        <p:cTn id="12" dur="400" fill="hold"/>
+                                        <p:tgtEl>
+                                          <p:spTgt spid="77"/>
+                                        </p:tgtEl>
+                                        <p:attrNameLst>
+                                          <p:attrName>ppt_x</p:attrName>
+                                        </p:attrNameLst>
+                                      </p:cBhvr>
+                                      <p:tavLst>
+                                        <p:tav tm="0">
+                                          <p:val>
+                                            <p:strVal val="#ppt_x"/>
+                                          </p:val>
+                                        </p:tav>
+                                        <p:tav tm="50000">
+                                          <p:val>
+                                            <p:strVal val="#ppt_x+.1"/>
+                                          </p:val>
+                                        </p:tav>
+                                        <p:tav tm="100000">
+                                          <p:val>
+                                            <p:strVal val="#ppt_x"/>
+                                          </p:val>
+                                        </p:tav>
+                                      </p:tavLst>
+                                    </p:anim>
+                                    <p:anim calcmode="lin" valueType="num">
+                                      <p:cBhvr>
+                                        <p:cTn id="13" dur="400" fill="hold"/>
+                                        <p:tgtEl>
+                                          <p:spTgt spid="77"/>
+                                        </p:tgtEl>
+                                        <p:attrNameLst>
+                                          <p:attrName>ppt_y</p:attrName>
+                                        </p:attrNameLst>
+                                      </p:cBhvr>
+                                      <p:tavLst>
+                                        <p:tav tm="0">
+                                          <p:val>
+                                            <p:strVal val="#ppt_y"/>
+                                          </p:val>
+                                        </p:tav>
+                                        <p:tav tm="100000">
+                                          <p:val>
+                                            <p:strVal val="#ppt_y"/>
+                                          </p:val>
+                                        </p:tav>
+                                      </p:tavLst>
+                                    </p:anim>
+                                    <p:anim calcmode="lin" valueType="num">
+                                      <p:cBhvr>
+                                        <p:cTn id="14" dur="400" fill="hold"/>
+                                        <p:tgtEl>
+                                          <p:spTgt spid="77"/>
+                                        </p:tgtEl>
+                                        <p:attrNameLst>
+                                          <p:attrName>ppt_h</p:attrName>
+                                        </p:attrNameLst>
+                                      </p:cBhvr>
+                                      <p:tavLst>
+                                        <p:tav tm="0">
+                                          <p:val>
+                                            <p:strVal val="#ppt_h/10"/>
+                                          </p:val>
+                                        </p:tav>
+                                        <p:tav tm="50000">
+                                          <p:val>
+                                            <p:strVal val="#ppt_h+.01"/>
+                                          </p:val>
+                                        </p:tav>
+                                        <p:tav tm="100000">
+                                          <p:val>
+                                            <p:strVal val="#ppt_h"/>
+                                          </p:val>
+                                        </p:tav>
+                                      </p:tavLst>
+                                    </p:anim>
+                                    <p:anim calcmode="lin" valueType="num">
+                                      <p:cBhvr>
+                                        <p:cTn id="15" dur="400" fill="hold"/>
+                                        <p:tgtEl>
+                                          <p:spTgt spid="77"/>
+                                        </p:tgtEl>
+                                        <p:attrNameLst>
+                                          <p:attrName>ppt_w</p:attrName>
+                                        </p:attrNameLst>
+                                      </p:cBhvr>
+                                      <p:tavLst>
+                                        <p:tav tm="0">
+                                          <p:val>
+                                            <p:strVal val="#ppt_w/10"/>
+                                          </p:val>
+                                        </p:tav>
+                                        <p:tav tm="50000">
+                                          <p:val>
+                                            <p:strVal val="#ppt_w+.01"/>
+                                          </p:val>
+                                        </p:tav>
+                                        <p:tav tm="100000">
+                                          <p:val>
+                                            <p:strVal val="#ppt_w"/>
+                                          </p:val>
+                                        </p:tav>
+                                      </p:tavLst>
+                                    </p:anim>
+                                    <p:animEffect transition="in" filter="fade">
+                                      <p:cBhvr>
+                                        <p:cTn id="16" dur="400" tmFilter="0,0; .5, 1; 1, 1"/>
+                                        <p:tgtEl>
+                                          <p:spTgt spid="77"/>
+                                        </p:tgtEl>
+                                      </p:cBhvr>
+                                    </p:animEffect>
+                                  </p:childTnLst>
+                                </p:cTn>
+                              </p:par>
+                            </p:childTnLst>
+                          </p:cTn>
+                        </p:par>
+                        <p:par>
+                          <p:cTn id="17" fill="hold">
+                            <p:stCondLst>
+                              <p:cond delay="900"/>
+                            </p:stCondLst>
+                            <p:childTnLst>
+                              <p:par>
+                                <p:cTn id="18" presetID="22" presetClass="entr" presetSubtype="2" fill="hold" grpId="0" nodeType="afterEffect">
+                                  <p:stCondLst>
+                                    <p:cond delay="0"/>
+                                  </p:stCondLst>
+                                  <p:childTnLst>
+                                    <p:set>
+                                      <p:cBhvr>
+                                        <p:cTn id="19" dur="1" fill="hold">
+                                          <p:stCondLst>
+                                            <p:cond delay="0"/>
+                                          </p:stCondLst>
+                                        </p:cTn>
+                                        <p:tgtEl>
+                                          <p:spTgt spid="6"/>
+                                        </p:tgtEl>
+                                        <p:attrNameLst>
+                                          <p:attrName>style.visibility</p:attrName>
+                                        </p:attrNameLst>
+                                      </p:cBhvr>
+                                      <p:to>
+                                        <p:strVal val="visible"/>
+                                      </p:to>
+                                    </p:set>
+                                    <p:animEffect transition="in" filter="wipe(right)">
+                                      <p:cBhvr>
+                                        <p:cTn id="20" dur="500"/>
+                                        <p:tgtEl>
+                                          <p:spTgt spid="6"/>
+                                        </p:tgtEl>
+                                      </p:cBhvr>
+                                    </p:animEffect>
+                                  </p:childTnLst>
+                                </p:cTn>
+                              </p:par>
+                            </p:childTnLst>
+                          </p:cTn>
+                        </p:par>
+                      </p:childTnLst>
+                    </p:cTn>
+                  </p:par>
+                </p:childTnLst>
+              </p:cTn>
+              <p:prevCondLst>
+                <p:cond evt="onPrev" delay="0">
+                  <p:tgtEl>
+                    <p:sldTgt/>
+                  </p:tgtEl>
+                </p:cond>
+              </p:prevCondLst>
+              <p:nextCondLst>
+                <p:cond evt="onNext" delay="0">
+                  <p:tgtEl>
+                    <p:sldTgt/>
+                  </p:tgtEl>
+                </p:cond>
+              </p:nextCondLst>
+            </p:seq>
+          </p:childTnLst>
+        </p:cTn>
+      </p:par>
+    </p:tnLst>
+    <p:bldLst>
+      <p:bldP spid="77" grpId="0"/>
+      <p:bldP spid="27" grpId="0" animBg="1"/>
+      <p:bldP spid="6" grpId="0" animBg="1"/>
+    </p:bldLst>
+  </p:timing>
+</p:sld>
+</file>
+
+<file path=ppt/slides/slide21.xml><?xml version="1.0" encoding="utf-8"?>
+<p:sld xmlns:a="http://schemas.openxmlformats.org/drawingml/2006/main" xmlns:r="http://schemas.openxmlformats.org/officeDocument/2006/relationships" xmlns:p="http://schemas.openxmlformats.org/presentationml/2006/main">
+  <p:cSld>
+    <p:bg>
+      <p:bgPr>
+        <a:solidFill>
+          <a:srgbClr val="AF2019"/>
+        </a:solidFill>
+        <a:effectLst/>
+      </p:bgPr>
+    </p:bg>
+    <p:spTree>
+      <p:nvGrpSpPr>
+        <p:cNvPr id="1" name=""/>
+        <p:cNvGrpSpPr/>
+        <p:nvPr/>
+      </p:nvGrpSpPr>
+      <p:grpSpPr>
+        <a:xfrm>
+          <a:off x="0" y="0"/>
+          <a:ext cx="0" cy="0"/>
+          <a:chOff x="0" y="0"/>
+          <a:chExt cx="0" cy="0"/>
+        </a:xfrm>
+      </p:grpSpPr>
+      <p:sp>
+        <p:nvSpPr>
+          <p:cNvPr id="22" name="矩形 21"/>
+          <p:cNvSpPr/>
+          <p:nvPr/>
+        </p:nvSpPr>
+        <p:spPr bwMode="auto">
+          <a:xfrm>
+            <a:off x="0" y="666517"/>
+            <a:ext cx="12196763" cy="6002843"/>
+          </a:xfrm>
+          <a:prstGeom prst="rect">
+            <a:avLst/>
+          </a:prstGeom>
+          <a:solidFill>
+            <a:schemeClr val="bg2">
+              <a:lumMod val="20000"/>
+              <a:lumOff val="80000"/>
+            </a:schemeClr>
+          </a:solidFill>
+          <a:ln w="9525" cap="flat" cmpd="sng" algn="ctr">
+            <a:noFill/>
+            <a:prstDash val="solid"/>
+            <a:round/>
+            <a:headEnd type="none" w="med" len="med"/>
+            <a:tailEnd type="none" w="med" len="med"/>
+          </a:ln>
+          <a:effectLst/>
+          <a:extLst/>
+        </p:spPr>
+        <p:txBody>
+          <a:bodyPr vert="horz" wrap="square" lIns="91440" tIns="45720" rIns="91440" bIns="45720" numCol="1" rtlCol="0" anchor="t" anchorCtr="0" compatLnSpc="1">
+            <a:prstTxWarp prst="textNoShape">
+              <a:avLst/>
+            </a:prstTxWarp>
+          </a:bodyPr>
+          <a:lstStyle/>
+          <a:p>
+            <a:endParaRPr lang="zh-CN" altLang="en-US" dirty="0" smtClean="0">
+              <a:solidFill>
+                <a:srgbClr val="C4261D"/>
+              </a:solidFill>
+            </a:endParaRPr>
+          </a:p>
+        </p:txBody>
+      </p:sp>
+      <p:sp>
+        <p:nvSpPr>
+          <p:cNvPr id="77" name="TextBox 76"/>
+          <p:cNvSpPr txBox="1"/>
+          <p:nvPr/>
+        </p:nvSpPr>
+        <p:spPr>
+          <a:xfrm>
+            <a:off x="434670" y="174412"/>
             <a:ext cx="748923" cy="430887"/>
           </a:xfrm>
           <a:prstGeom prst="rect">
@@ -19392,33 +20363,7 @@
                   </a:outerShdw>
                 </a:effectLst>
               </a:rPr>
-              <a:t>讨论：复制的效率问题</a:t>
-            </a:r>
-            <a:r>
-              <a:rPr lang="zh-CN" altLang="en-US" sz="5400" b="1" cap="none" spc="0" dirty="0" smtClean="0">
-                <a:ln w="12700">
-                  <a:solidFill>
-                    <a:schemeClr val="tx2">
-                      <a:satMod val="155000"/>
-                    </a:schemeClr>
-                  </a:solidFill>
-                  <a:prstDash val="solid"/>
-                </a:ln>
-                <a:solidFill>
-                  <a:schemeClr val="bg2">
-                    <a:tint val="85000"/>
-                    <a:satMod val="155000"/>
-                  </a:schemeClr>
-                </a:solidFill>
-                <a:effectLst>
-                  <a:outerShdw blurRad="41275" dist="20320" dir="1800000" algn="tl" rotWithShape="0">
-                    <a:srgbClr val="000000">
-                      <a:alpha val="40000"/>
-                    </a:srgbClr>
-                  </a:outerShdw>
-                </a:effectLst>
-              </a:rPr>
-              <a:t>。</a:t>
+              <a:t>讨论：复制的效率问题。</a:t>
             </a:r>
             <a:endParaRPr lang="en-US" altLang="zh-CN" sz="5400" b="1" cap="none" spc="0" dirty="0" smtClean="0">
               <a:ln w="12700">
@@ -19926,546 +20871,6 @@
 </p:sld>
 </file>
 
-<file path=ppt/slides/slide21.xml><?xml version="1.0" encoding="utf-8"?>
-<p:sld xmlns:a="http://schemas.openxmlformats.org/drawingml/2006/main" xmlns:r="http://schemas.openxmlformats.org/officeDocument/2006/relationships" xmlns:p="http://schemas.openxmlformats.org/presentationml/2006/main">
-  <p:cSld>
-    <p:bg>
-      <p:bgPr>
-        <a:solidFill>
-          <a:srgbClr val="AF2019"/>
-        </a:solidFill>
-        <a:effectLst/>
-      </p:bgPr>
-    </p:bg>
-    <p:spTree>
-      <p:nvGrpSpPr>
-        <p:cNvPr id="1" name=""/>
-        <p:cNvGrpSpPr/>
-        <p:nvPr/>
-      </p:nvGrpSpPr>
-      <p:grpSpPr>
-        <a:xfrm>
-          <a:off x="0" y="0"/>
-          <a:ext cx="0" cy="0"/>
-          <a:chOff x="0" y="0"/>
-          <a:chExt cx="0" cy="0"/>
-        </a:xfrm>
-      </p:grpSpPr>
-      <p:sp>
-        <p:nvSpPr>
-          <p:cNvPr id="22" name="矩形 21"/>
-          <p:cNvSpPr/>
-          <p:nvPr/>
-        </p:nvSpPr>
-        <p:spPr bwMode="auto">
-          <a:xfrm>
-            <a:off x="0" y="666517"/>
-            <a:ext cx="12196763" cy="6002843"/>
-          </a:xfrm>
-          <a:prstGeom prst="rect">
-            <a:avLst/>
-          </a:prstGeom>
-          <a:solidFill>
-            <a:schemeClr val="bg2">
-              <a:lumMod val="20000"/>
-              <a:lumOff val="80000"/>
-            </a:schemeClr>
-          </a:solidFill>
-          <a:ln w="9525" cap="flat" cmpd="sng" algn="ctr">
-            <a:noFill/>
-            <a:prstDash val="solid"/>
-            <a:round/>
-            <a:headEnd type="none" w="med" len="med"/>
-            <a:tailEnd type="none" w="med" len="med"/>
-          </a:ln>
-          <a:effectLst/>
-          <a:extLst/>
-        </p:spPr>
-        <p:txBody>
-          <a:bodyPr vert="horz" wrap="square" lIns="91440" tIns="45720" rIns="91440" bIns="45720" numCol="1" rtlCol="0" anchor="t" anchorCtr="0" compatLnSpc="1">
-            <a:prstTxWarp prst="textNoShape">
-              <a:avLst/>
-            </a:prstTxWarp>
-          </a:bodyPr>
-          <a:lstStyle/>
-          <a:p>
-            <a:endParaRPr lang="zh-CN" altLang="en-US" dirty="0" smtClean="0">
-              <a:solidFill>
-                <a:srgbClr val="C4261D"/>
-              </a:solidFill>
-            </a:endParaRPr>
-          </a:p>
-        </p:txBody>
-      </p:sp>
-      <p:sp>
-        <p:nvSpPr>
-          <p:cNvPr id="27" name="矩形 26"/>
-          <p:cNvSpPr/>
-          <p:nvPr/>
-        </p:nvSpPr>
-        <p:spPr bwMode="auto">
-          <a:xfrm>
-            <a:off x="0" y="238581"/>
-            <a:ext cx="409749" cy="333328"/>
-          </a:xfrm>
-          <a:prstGeom prst="rect">
-            <a:avLst/>
-          </a:prstGeom>
-          <a:solidFill>
-            <a:schemeClr val="bg1"/>
-          </a:solidFill>
-          <a:ln w="9525" cap="flat" cmpd="sng" algn="ctr">
-            <a:noFill/>
-            <a:prstDash val="solid"/>
-            <a:round/>
-            <a:headEnd type="none" w="med" len="med"/>
-            <a:tailEnd type="none" w="med" len="med"/>
-          </a:ln>
-          <a:effectLst/>
-          <a:extLst/>
-        </p:spPr>
-        <p:txBody>
-          <a:bodyPr vert="horz" wrap="square" lIns="91440" tIns="45720" rIns="91440" bIns="45720" numCol="1" rtlCol="0" anchor="t" anchorCtr="0" compatLnSpc="1">
-            <a:prstTxWarp prst="textNoShape">
-              <a:avLst/>
-            </a:prstTxWarp>
-          </a:bodyPr>
-          <a:lstStyle/>
-          <a:p>
-            <a:endParaRPr lang="zh-CN" altLang="en-US" smtClean="0">
-              <a:solidFill>
-                <a:srgbClr val="C4261D"/>
-              </a:solidFill>
-            </a:endParaRPr>
-          </a:p>
-        </p:txBody>
-      </p:sp>
-      <p:sp>
-        <p:nvSpPr>
-          <p:cNvPr id="5" name="TextBox 4"/>
-          <p:cNvSpPr txBox="1"/>
-          <p:nvPr/>
-        </p:nvSpPr>
-        <p:spPr>
-          <a:xfrm>
-            <a:off x="434670" y="174412"/>
-            <a:ext cx="3288080" cy="430887"/>
-          </a:xfrm>
-          <a:prstGeom prst="rect">
-            <a:avLst/>
-          </a:prstGeom>
-          <a:noFill/>
-        </p:spPr>
-        <p:txBody>
-          <a:bodyPr wrap="none" rtlCol="0">
-            <a:spAutoFit/>
-          </a:bodyPr>
-          <a:lstStyle/>
-          <a:p>
-            <a:r>
-              <a:rPr lang="zh-CN" altLang="en-US" sz="2200" dirty="0" smtClean="0">
-                <a:solidFill>
-                  <a:srgbClr val="C2C1C1">
-                    <a:lumMod val="20000"/>
-                    <a:lumOff val="80000"/>
-                  </a:srgbClr>
-                </a:solidFill>
-                <a:latin typeface="微软雅黑"/>
-                <a:ea typeface="微软雅黑"/>
-              </a:rPr>
-              <a:t>字符流的</a:t>
-            </a:r>
-            <a:r>
-              <a:rPr lang="zh-CN" altLang="en-US" sz="2200" dirty="0" smtClean="0">
-                <a:solidFill>
-                  <a:srgbClr val="C2C1C1">
-                    <a:lumMod val="20000"/>
-                    <a:lumOff val="80000"/>
-                  </a:srgbClr>
-                </a:solidFill>
-                <a:latin typeface="微软雅黑"/>
-                <a:ea typeface="微软雅黑"/>
-              </a:rPr>
-              <a:t>使用</a:t>
-            </a:r>
-            <a:r>
-              <a:rPr lang="zh-CN" altLang="en-US" sz="2200" dirty="0" smtClean="0">
-                <a:solidFill>
-                  <a:srgbClr val="C2C1C1">
-                    <a:lumMod val="20000"/>
-                    <a:lumOff val="80000"/>
-                  </a:srgbClr>
-                </a:solidFill>
-                <a:latin typeface="微软雅黑"/>
-                <a:ea typeface="微软雅黑"/>
-              </a:rPr>
-              <a:t>：读取文件</a:t>
-            </a:r>
-            <a:endParaRPr lang="zh-CN" altLang="en-US" sz="2200" dirty="0">
-              <a:solidFill>
-                <a:srgbClr val="C2C1C1">
-                  <a:lumMod val="20000"/>
-                  <a:lumOff val="80000"/>
-                </a:srgbClr>
-              </a:solidFill>
-              <a:latin typeface="微软雅黑"/>
-              <a:ea typeface="微软雅黑"/>
-            </a:endParaRPr>
-          </a:p>
-        </p:txBody>
-      </p:sp>
-      <p:pic>
-        <p:nvPicPr>
-          <p:cNvPr id="3074" name="Picture 2"/>
-          <p:cNvPicPr>
-            <a:picLocks noChangeAspect="1" noChangeArrowheads="1"/>
-          </p:cNvPicPr>
-          <p:nvPr/>
-        </p:nvPicPr>
-        <p:blipFill>
-          <a:blip r:embed="rId3">
-            <a:extLst>
-              <a:ext uri="{28A0092B-C50C-407E-A947-70E740481C1C}">
-                <a14:useLocalDpi xmlns:a14="http://schemas.microsoft.com/office/drawing/2010/main" val="0"/>
-              </a:ext>
-            </a:extLst>
-          </a:blip>
-          <a:srcRect/>
-          <a:stretch>
-            <a:fillRect/>
-          </a:stretch>
-        </p:blipFill>
-        <p:spPr bwMode="auto">
-          <a:xfrm>
-            <a:off x="1512414" y="764704"/>
-            <a:ext cx="9410503" cy="5574179"/>
-          </a:xfrm>
-          <a:prstGeom prst="rect">
-            <a:avLst/>
-          </a:prstGeom>
-          <a:noFill/>
-          <a:ln>
-            <a:noFill/>
-          </a:ln>
-          <a:extLst>
-            <a:ext uri="{909E8E84-426E-40DD-AFC4-6F175D3DCCD1}">
-              <a14:hiddenFill xmlns:a14="http://schemas.microsoft.com/office/drawing/2010/main">
-                <a:solidFill>
-                  <a:schemeClr val="accent1"/>
-                </a:solidFill>
-              </a14:hiddenFill>
-            </a:ext>
-            <a:ext uri="{91240B29-F687-4F45-9708-019B960494DF}">
-              <a14:hiddenLine xmlns:a14="http://schemas.microsoft.com/office/drawing/2010/main" w="9525">
-                <a:solidFill>
-                  <a:schemeClr val="tx1"/>
-                </a:solidFill>
-                <a:miter lim="800000"/>
-                <a:headEnd/>
-                <a:tailEnd/>
-              </a14:hiddenLine>
-            </a:ext>
-          </a:extLst>
-        </p:spPr>
-      </p:pic>
-    </p:spTree>
-    <p:extLst>
-      <p:ext uri="{BB962C8B-B14F-4D97-AF65-F5344CB8AC3E}">
-        <p14:creationId xmlns:p14="http://schemas.microsoft.com/office/powerpoint/2010/main" val="121770759"/>
-      </p:ext>
-    </p:extLst>
-  </p:cSld>
-  <p:clrMapOvr>
-    <a:masterClrMapping/>
-  </p:clrMapOvr>
-  <p:transition spd="slow" advTm="7876">
-    <p:wipe/>
-  </p:transition>
-  <p:timing>
-    <p:tnLst>
-      <p:par>
-        <p:cTn id="1" dur="indefinite" restart="never" nodeType="tmRoot">
-          <p:childTnLst>
-            <p:seq concurrent="1" nextAc="seek">
-              <p:cTn id="2" dur="indefinite" nodeType="mainSeq">
-                <p:childTnLst>
-                  <p:par>
-                    <p:cTn id="3" fill="hold">
-                      <p:stCondLst>
-                        <p:cond delay="indefinite"/>
-                        <p:cond evt="onBegin" delay="0">
-                          <p:tn val="2"/>
-                        </p:cond>
-                      </p:stCondLst>
-                      <p:childTnLst>
-                        <p:par>
-                          <p:cTn id="4" fill="hold">
-                            <p:stCondLst>
-                              <p:cond delay="0"/>
-                            </p:stCondLst>
-                            <p:childTnLst>
-                              <p:par>
-                                <p:cTn id="5" presetID="2" presetClass="entr" presetSubtype="8" fill="hold" grpId="0" nodeType="afterEffect">
-                                  <p:stCondLst>
-                                    <p:cond delay="0"/>
-                                  </p:stCondLst>
-                                  <p:childTnLst>
-                                    <p:set>
-                                      <p:cBhvr>
-                                        <p:cTn id="6" dur="1" fill="hold">
-                                          <p:stCondLst>
-                                            <p:cond delay="0"/>
-                                          </p:stCondLst>
-                                        </p:cTn>
-                                        <p:tgtEl>
-                                          <p:spTgt spid="27"/>
-                                        </p:tgtEl>
-                                        <p:attrNameLst>
-                                          <p:attrName>style.visibility</p:attrName>
-                                        </p:attrNameLst>
-                                      </p:cBhvr>
-                                      <p:to>
-                                        <p:strVal val="visible"/>
-                                      </p:to>
-                                    </p:set>
-                                    <p:anim calcmode="lin" valueType="num">
-                                      <p:cBhvr additive="base">
-                                        <p:cTn id="7" dur="300" fill="hold"/>
-                                        <p:tgtEl>
-                                          <p:spTgt spid="27"/>
-                                        </p:tgtEl>
-                                        <p:attrNameLst>
-                                          <p:attrName>ppt_x</p:attrName>
-                                        </p:attrNameLst>
-                                      </p:cBhvr>
-                                      <p:tavLst>
-                                        <p:tav tm="0">
-                                          <p:val>
-                                            <p:strVal val="0-#ppt_w/2"/>
-                                          </p:val>
-                                        </p:tav>
-                                        <p:tav tm="100000">
-                                          <p:val>
-                                            <p:strVal val="#ppt_x"/>
-                                          </p:val>
-                                        </p:tav>
-                                      </p:tavLst>
-                                    </p:anim>
-                                    <p:anim calcmode="lin" valueType="num">
-                                      <p:cBhvr additive="base">
-                                        <p:cTn id="8" dur="300" fill="hold"/>
-                                        <p:tgtEl>
-                                          <p:spTgt spid="27"/>
-                                        </p:tgtEl>
-                                        <p:attrNameLst>
-                                          <p:attrName>ppt_y</p:attrName>
-                                        </p:attrNameLst>
-                                      </p:cBhvr>
-                                      <p:tavLst>
-                                        <p:tav tm="0">
-                                          <p:val>
-                                            <p:strVal val="#ppt_y"/>
-                                          </p:val>
-                                        </p:tav>
-                                        <p:tav tm="100000">
-                                          <p:val>
-                                            <p:strVal val="#ppt_y"/>
-                                          </p:val>
-                                        </p:tav>
-                                      </p:tavLst>
-                                    </p:anim>
-                                  </p:childTnLst>
-                                </p:cTn>
-                              </p:par>
-                            </p:childTnLst>
-                          </p:cTn>
-                        </p:par>
-                        <p:par>
-                          <p:cTn id="9" fill="hold">
-                            <p:stCondLst>
-                              <p:cond delay="300"/>
-                            </p:stCondLst>
-                            <p:childTnLst>
-                              <p:par>
-                                <p:cTn id="10" presetID="41" presetClass="entr" presetSubtype="0" fill="hold" grpId="0" nodeType="afterEffect">
-                                  <p:stCondLst>
-                                    <p:cond delay="0"/>
-                                  </p:stCondLst>
-                                  <p:iterate type="lt">
-                                    <p:tmPct val="10000"/>
-                                  </p:iterate>
-                                  <p:childTnLst>
-                                    <p:set>
-                                      <p:cBhvr>
-                                        <p:cTn id="11" dur="1" fill="hold">
-                                          <p:stCondLst>
-                                            <p:cond delay="0"/>
-                                          </p:stCondLst>
-                                        </p:cTn>
-                                        <p:tgtEl>
-                                          <p:spTgt spid="5"/>
-                                        </p:tgtEl>
-                                        <p:attrNameLst>
-                                          <p:attrName>style.visibility</p:attrName>
-                                        </p:attrNameLst>
-                                      </p:cBhvr>
-                                      <p:to>
-                                        <p:strVal val="visible"/>
-                                      </p:to>
-                                    </p:set>
-                                    <p:anim calcmode="lin" valueType="num">
-                                      <p:cBhvr>
-                                        <p:cTn id="12" dur="400" fill="hold"/>
-                                        <p:tgtEl>
-                                          <p:spTgt spid="5"/>
-                                        </p:tgtEl>
-                                        <p:attrNameLst>
-                                          <p:attrName>ppt_x</p:attrName>
-                                        </p:attrNameLst>
-                                      </p:cBhvr>
-                                      <p:tavLst>
-                                        <p:tav tm="0">
-                                          <p:val>
-                                            <p:strVal val="#ppt_x"/>
-                                          </p:val>
-                                        </p:tav>
-                                        <p:tav tm="50000">
-                                          <p:val>
-                                            <p:strVal val="#ppt_x+.1"/>
-                                          </p:val>
-                                        </p:tav>
-                                        <p:tav tm="100000">
-                                          <p:val>
-                                            <p:strVal val="#ppt_x"/>
-                                          </p:val>
-                                        </p:tav>
-                                      </p:tavLst>
-                                    </p:anim>
-                                    <p:anim calcmode="lin" valueType="num">
-                                      <p:cBhvr>
-                                        <p:cTn id="13" dur="400" fill="hold"/>
-                                        <p:tgtEl>
-                                          <p:spTgt spid="5"/>
-                                        </p:tgtEl>
-                                        <p:attrNameLst>
-                                          <p:attrName>ppt_y</p:attrName>
-                                        </p:attrNameLst>
-                                      </p:cBhvr>
-                                      <p:tavLst>
-                                        <p:tav tm="0">
-                                          <p:val>
-                                            <p:strVal val="#ppt_y"/>
-                                          </p:val>
-                                        </p:tav>
-                                        <p:tav tm="100000">
-                                          <p:val>
-                                            <p:strVal val="#ppt_y"/>
-                                          </p:val>
-                                        </p:tav>
-                                      </p:tavLst>
-                                    </p:anim>
-                                    <p:anim calcmode="lin" valueType="num">
-                                      <p:cBhvr>
-                                        <p:cTn id="14" dur="400" fill="hold"/>
-                                        <p:tgtEl>
-                                          <p:spTgt spid="5"/>
-                                        </p:tgtEl>
-                                        <p:attrNameLst>
-                                          <p:attrName>ppt_h</p:attrName>
-                                        </p:attrNameLst>
-                                      </p:cBhvr>
-                                      <p:tavLst>
-                                        <p:tav tm="0">
-                                          <p:val>
-                                            <p:strVal val="#ppt_h/10"/>
-                                          </p:val>
-                                        </p:tav>
-                                        <p:tav tm="50000">
-                                          <p:val>
-                                            <p:strVal val="#ppt_h+.01"/>
-                                          </p:val>
-                                        </p:tav>
-                                        <p:tav tm="100000">
-                                          <p:val>
-                                            <p:strVal val="#ppt_h"/>
-                                          </p:val>
-                                        </p:tav>
-                                      </p:tavLst>
-                                    </p:anim>
-                                    <p:anim calcmode="lin" valueType="num">
-                                      <p:cBhvr>
-                                        <p:cTn id="15" dur="400" fill="hold"/>
-                                        <p:tgtEl>
-                                          <p:spTgt spid="5"/>
-                                        </p:tgtEl>
-                                        <p:attrNameLst>
-                                          <p:attrName>ppt_w</p:attrName>
-                                        </p:attrNameLst>
-                                      </p:cBhvr>
-                                      <p:tavLst>
-                                        <p:tav tm="0">
-                                          <p:val>
-                                            <p:strVal val="#ppt_w/10"/>
-                                          </p:val>
-                                        </p:tav>
-                                        <p:tav tm="50000">
-                                          <p:val>
-                                            <p:strVal val="#ppt_w+.01"/>
-                                          </p:val>
-                                        </p:tav>
-                                        <p:tav tm="100000">
-                                          <p:val>
-                                            <p:strVal val="#ppt_w"/>
-                                          </p:val>
-                                        </p:tav>
-                                      </p:tavLst>
-                                    </p:anim>
-                                    <p:animEffect transition="in" filter="fade">
-                                      <p:cBhvr>
-                                        <p:cTn id="16" dur="400" tmFilter="0,0; .5, 1; 1, 1"/>
-                                        <p:tgtEl>
-                                          <p:spTgt spid="5"/>
-                                        </p:tgtEl>
-                                      </p:cBhvr>
-                                    </p:animEffect>
-                                  </p:childTnLst>
-                                </p:cTn>
-                              </p:par>
-                            </p:childTnLst>
-                          </p:cTn>
-                        </p:par>
-                      </p:childTnLst>
-                    </p:cTn>
-                  </p:par>
-                </p:childTnLst>
-              </p:cTn>
-              <p:prevCondLst>
-                <p:cond evt="onPrev" delay="0">
-                  <p:tgtEl>
-                    <p:sldTgt/>
-                  </p:tgtEl>
-                </p:cond>
-              </p:prevCondLst>
-              <p:nextCondLst>
-                <p:cond evt="onNext" delay="0">
-                  <p:tgtEl>
-                    <p:sldTgt/>
-                  </p:tgtEl>
-                </p:cond>
-              </p:nextCondLst>
-            </p:seq>
-          </p:childTnLst>
-        </p:cTn>
-      </p:par>
-    </p:tnLst>
-    <p:bldLst>
-      <p:bldP spid="27" grpId="0" animBg="1"/>
-      <p:bldP spid="5" grpId="0"/>
-    </p:bldLst>
-  </p:timing>
-</p:sld>
-</file>
-
 <file path=ppt/slides/slide22.xml><?xml version="1.0" encoding="utf-8"?>
 <p:sld xmlns:a="http://schemas.openxmlformats.org/drawingml/2006/main" xmlns:r="http://schemas.openxmlformats.org/officeDocument/2006/relationships" xmlns:p="http://schemas.openxmlformats.org/presentationml/2006/main">
   <p:cSld>
@@ -20613,8 +21018,509 @@
                 <a:latin typeface="微软雅黑"/>
                 <a:ea typeface="微软雅黑"/>
               </a:rPr>
-              <a:t>字符流的使用</a:t>
+              <a:t>字符流的使用：读取文件</a:t>
             </a:r>
+            <a:endParaRPr lang="zh-CN" altLang="en-US" sz="2200" dirty="0">
+              <a:solidFill>
+                <a:srgbClr val="C2C1C1">
+                  <a:lumMod val="20000"/>
+                  <a:lumOff val="80000"/>
+                </a:srgbClr>
+              </a:solidFill>
+              <a:latin typeface="微软雅黑"/>
+              <a:ea typeface="微软雅黑"/>
+            </a:endParaRPr>
+          </a:p>
+        </p:txBody>
+      </p:sp>
+      <p:pic>
+        <p:nvPicPr>
+          <p:cNvPr id="3074" name="Picture 2"/>
+          <p:cNvPicPr>
+            <a:picLocks noChangeAspect="1" noChangeArrowheads="1"/>
+          </p:cNvPicPr>
+          <p:nvPr/>
+        </p:nvPicPr>
+        <p:blipFill>
+          <a:blip r:embed="rId3">
+            <a:extLst>
+              <a:ext uri="{28A0092B-C50C-407E-A947-70E740481C1C}">
+                <a14:useLocalDpi xmlns:a14="http://schemas.microsoft.com/office/drawing/2010/main" val="0"/>
+              </a:ext>
+            </a:extLst>
+          </a:blip>
+          <a:srcRect/>
+          <a:stretch>
+            <a:fillRect/>
+          </a:stretch>
+        </p:blipFill>
+        <p:spPr bwMode="auto">
+          <a:xfrm>
+            <a:off x="1512414" y="764704"/>
+            <a:ext cx="9410503" cy="5574179"/>
+          </a:xfrm>
+          <a:prstGeom prst="rect">
+            <a:avLst/>
+          </a:prstGeom>
+          <a:noFill/>
+          <a:ln>
+            <a:noFill/>
+          </a:ln>
+          <a:extLst>
+            <a:ext uri="{909E8E84-426E-40DD-AFC4-6F175D3DCCD1}">
+              <a14:hiddenFill xmlns:a14="http://schemas.microsoft.com/office/drawing/2010/main">
+                <a:solidFill>
+                  <a:schemeClr val="accent1"/>
+                </a:solidFill>
+              </a14:hiddenFill>
+            </a:ext>
+            <a:ext uri="{91240B29-F687-4F45-9708-019B960494DF}">
+              <a14:hiddenLine xmlns:a14="http://schemas.microsoft.com/office/drawing/2010/main" w="9525">
+                <a:solidFill>
+                  <a:schemeClr val="tx1"/>
+                </a:solidFill>
+                <a:miter lim="800000"/>
+                <a:headEnd/>
+                <a:tailEnd/>
+              </a14:hiddenLine>
+            </a:ext>
+          </a:extLst>
+        </p:spPr>
+      </p:pic>
+    </p:spTree>
+    <p:extLst>
+      <p:ext uri="{BB962C8B-B14F-4D97-AF65-F5344CB8AC3E}">
+        <p14:creationId xmlns:p14="http://schemas.microsoft.com/office/powerpoint/2010/main" val="121770759"/>
+      </p:ext>
+    </p:extLst>
+  </p:cSld>
+  <p:clrMapOvr>
+    <a:masterClrMapping/>
+  </p:clrMapOvr>
+  <p:transition spd="slow" advTm="7876">
+    <p:wipe/>
+  </p:transition>
+  <p:timing>
+    <p:tnLst>
+      <p:par>
+        <p:cTn id="1" dur="indefinite" restart="never" nodeType="tmRoot">
+          <p:childTnLst>
+            <p:seq concurrent="1" nextAc="seek">
+              <p:cTn id="2" dur="indefinite" nodeType="mainSeq">
+                <p:childTnLst>
+                  <p:par>
+                    <p:cTn id="3" fill="hold">
+                      <p:stCondLst>
+                        <p:cond delay="indefinite"/>
+                        <p:cond evt="onBegin" delay="0">
+                          <p:tn val="2"/>
+                        </p:cond>
+                      </p:stCondLst>
+                      <p:childTnLst>
+                        <p:par>
+                          <p:cTn id="4" fill="hold">
+                            <p:stCondLst>
+                              <p:cond delay="0"/>
+                            </p:stCondLst>
+                            <p:childTnLst>
+                              <p:par>
+                                <p:cTn id="5" presetID="2" presetClass="entr" presetSubtype="8" fill="hold" grpId="0" nodeType="afterEffect">
+                                  <p:stCondLst>
+                                    <p:cond delay="0"/>
+                                  </p:stCondLst>
+                                  <p:childTnLst>
+                                    <p:set>
+                                      <p:cBhvr>
+                                        <p:cTn id="6" dur="1" fill="hold">
+                                          <p:stCondLst>
+                                            <p:cond delay="0"/>
+                                          </p:stCondLst>
+                                        </p:cTn>
+                                        <p:tgtEl>
+                                          <p:spTgt spid="27"/>
+                                        </p:tgtEl>
+                                        <p:attrNameLst>
+                                          <p:attrName>style.visibility</p:attrName>
+                                        </p:attrNameLst>
+                                      </p:cBhvr>
+                                      <p:to>
+                                        <p:strVal val="visible"/>
+                                      </p:to>
+                                    </p:set>
+                                    <p:anim calcmode="lin" valueType="num">
+                                      <p:cBhvr additive="base">
+                                        <p:cTn id="7" dur="300" fill="hold"/>
+                                        <p:tgtEl>
+                                          <p:spTgt spid="27"/>
+                                        </p:tgtEl>
+                                        <p:attrNameLst>
+                                          <p:attrName>ppt_x</p:attrName>
+                                        </p:attrNameLst>
+                                      </p:cBhvr>
+                                      <p:tavLst>
+                                        <p:tav tm="0">
+                                          <p:val>
+                                            <p:strVal val="0-#ppt_w/2"/>
+                                          </p:val>
+                                        </p:tav>
+                                        <p:tav tm="100000">
+                                          <p:val>
+                                            <p:strVal val="#ppt_x"/>
+                                          </p:val>
+                                        </p:tav>
+                                      </p:tavLst>
+                                    </p:anim>
+                                    <p:anim calcmode="lin" valueType="num">
+                                      <p:cBhvr additive="base">
+                                        <p:cTn id="8" dur="300" fill="hold"/>
+                                        <p:tgtEl>
+                                          <p:spTgt spid="27"/>
+                                        </p:tgtEl>
+                                        <p:attrNameLst>
+                                          <p:attrName>ppt_y</p:attrName>
+                                        </p:attrNameLst>
+                                      </p:cBhvr>
+                                      <p:tavLst>
+                                        <p:tav tm="0">
+                                          <p:val>
+                                            <p:strVal val="#ppt_y"/>
+                                          </p:val>
+                                        </p:tav>
+                                        <p:tav tm="100000">
+                                          <p:val>
+                                            <p:strVal val="#ppt_y"/>
+                                          </p:val>
+                                        </p:tav>
+                                      </p:tavLst>
+                                    </p:anim>
+                                  </p:childTnLst>
+                                </p:cTn>
+                              </p:par>
+                            </p:childTnLst>
+                          </p:cTn>
+                        </p:par>
+                        <p:par>
+                          <p:cTn id="9" fill="hold">
+                            <p:stCondLst>
+                              <p:cond delay="300"/>
+                            </p:stCondLst>
+                            <p:childTnLst>
+                              <p:par>
+                                <p:cTn id="10" presetID="41" presetClass="entr" presetSubtype="0" fill="hold" grpId="0" nodeType="afterEffect">
+                                  <p:stCondLst>
+                                    <p:cond delay="0"/>
+                                  </p:stCondLst>
+                                  <p:iterate type="lt">
+                                    <p:tmPct val="10000"/>
+                                  </p:iterate>
+                                  <p:childTnLst>
+                                    <p:set>
+                                      <p:cBhvr>
+                                        <p:cTn id="11" dur="1" fill="hold">
+                                          <p:stCondLst>
+                                            <p:cond delay="0"/>
+                                          </p:stCondLst>
+                                        </p:cTn>
+                                        <p:tgtEl>
+                                          <p:spTgt spid="5"/>
+                                        </p:tgtEl>
+                                        <p:attrNameLst>
+                                          <p:attrName>style.visibility</p:attrName>
+                                        </p:attrNameLst>
+                                      </p:cBhvr>
+                                      <p:to>
+                                        <p:strVal val="visible"/>
+                                      </p:to>
+                                    </p:set>
+                                    <p:anim calcmode="lin" valueType="num">
+                                      <p:cBhvr>
+                                        <p:cTn id="12" dur="400" fill="hold"/>
+                                        <p:tgtEl>
+                                          <p:spTgt spid="5"/>
+                                        </p:tgtEl>
+                                        <p:attrNameLst>
+                                          <p:attrName>ppt_x</p:attrName>
+                                        </p:attrNameLst>
+                                      </p:cBhvr>
+                                      <p:tavLst>
+                                        <p:tav tm="0">
+                                          <p:val>
+                                            <p:strVal val="#ppt_x"/>
+                                          </p:val>
+                                        </p:tav>
+                                        <p:tav tm="50000">
+                                          <p:val>
+                                            <p:strVal val="#ppt_x+.1"/>
+                                          </p:val>
+                                        </p:tav>
+                                        <p:tav tm="100000">
+                                          <p:val>
+                                            <p:strVal val="#ppt_x"/>
+                                          </p:val>
+                                        </p:tav>
+                                      </p:tavLst>
+                                    </p:anim>
+                                    <p:anim calcmode="lin" valueType="num">
+                                      <p:cBhvr>
+                                        <p:cTn id="13" dur="400" fill="hold"/>
+                                        <p:tgtEl>
+                                          <p:spTgt spid="5"/>
+                                        </p:tgtEl>
+                                        <p:attrNameLst>
+                                          <p:attrName>ppt_y</p:attrName>
+                                        </p:attrNameLst>
+                                      </p:cBhvr>
+                                      <p:tavLst>
+                                        <p:tav tm="0">
+                                          <p:val>
+                                            <p:strVal val="#ppt_y"/>
+                                          </p:val>
+                                        </p:tav>
+                                        <p:tav tm="100000">
+                                          <p:val>
+                                            <p:strVal val="#ppt_y"/>
+                                          </p:val>
+                                        </p:tav>
+                                      </p:tavLst>
+                                    </p:anim>
+                                    <p:anim calcmode="lin" valueType="num">
+                                      <p:cBhvr>
+                                        <p:cTn id="14" dur="400" fill="hold"/>
+                                        <p:tgtEl>
+                                          <p:spTgt spid="5"/>
+                                        </p:tgtEl>
+                                        <p:attrNameLst>
+                                          <p:attrName>ppt_h</p:attrName>
+                                        </p:attrNameLst>
+                                      </p:cBhvr>
+                                      <p:tavLst>
+                                        <p:tav tm="0">
+                                          <p:val>
+                                            <p:strVal val="#ppt_h/10"/>
+                                          </p:val>
+                                        </p:tav>
+                                        <p:tav tm="50000">
+                                          <p:val>
+                                            <p:strVal val="#ppt_h+.01"/>
+                                          </p:val>
+                                        </p:tav>
+                                        <p:tav tm="100000">
+                                          <p:val>
+                                            <p:strVal val="#ppt_h"/>
+                                          </p:val>
+                                        </p:tav>
+                                      </p:tavLst>
+                                    </p:anim>
+                                    <p:anim calcmode="lin" valueType="num">
+                                      <p:cBhvr>
+                                        <p:cTn id="15" dur="400" fill="hold"/>
+                                        <p:tgtEl>
+                                          <p:spTgt spid="5"/>
+                                        </p:tgtEl>
+                                        <p:attrNameLst>
+                                          <p:attrName>ppt_w</p:attrName>
+                                        </p:attrNameLst>
+                                      </p:cBhvr>
+                                      <p:tavLst>
+                                        <p:tav tm="0">
+                                          <p:val>
+                                            <p:strVal val="#ppt_w/10"/>
+                                          </p:val>
+                                        </p:tav>
+                                        <p:tav tm="50000">
+                                          <p:val>
+                                            <p:strVal val="#ppt_w+.01"/>
+                                          </p:val>
+                                        </p:tav>
+                                        <p:tav tm="100000">
+                                          <p:val>
+                                            <p:strVal val="#ppt_w"/>
+                                          </p:val>
+                                        </p:tav>
+                                      </p:tavLst>
+                                    </p:anim>
+                                    <p:animEffect transition="in" filter="fade">
+                                      <p:cBhvr>
+                                        <p:cTn id="16" dur="400" tmFilter="0,0; .5, 1; 1, 1"/>
+                                        <p:tgtEl>
+                                          <p:spTgt spid="5"/>
+                                        </p:tgtEl>
+                                      </p:cBhvr>
+                                    </p:animEffect>
+                                  </p:childTnLst>
+                                </p:cTn>
+                              </p:par>
+                            </p:childTnLst>
+                          </p:cTn>
+                        </p:par>
+                      </p:childTnLst>
+                    </p:cTn>
+                  </p:par>
+                </p:childTnLst>
+              </p:cTn>
+              <p:prevCondLst>
+                <p:cond evt="onPrev" delay="0">
+                  <p:tgtEl>
+                    <p:sldTgt/>
+                  </p:tgtEl>
+                </p:cond>
+              </p:prevCondLst>
+              <p:nextCondLst>
+                <p:cond evt="onNext" delay="0">
+                  <p:tgtEl>
+                    <p:sldTgt/>
+                  </p:tgtEl>
+                </p:cond>
+              </p:nextCondLst>
+            </p:seq>
+          </p:childTnLst>
+        </p:cTn>
+      </p:par>
+    </p:tnLst>
+    <p:bldLst>
+      <p:bldP spid="27" grpId="0" animBg="1"/>
+      <p:bldP spid="5" grpId="0"/>
+    </p:bldLst>
+  </p:timing>
+</p:sld>
+</file>
+
+<file path=ppt/slides/slide23.xml><?xml version="1.0" encoding="utf-8"?>
+<p:sld xmlns:a="http://schemas.openxmlformats.org/drawingml/2006/main" xmlns:r="http://schemas.openxmlformats.org/officeDocument/2006/relationships" xmlns:p="http://schemas.openxmlformats.org/presentationml/2006/main">
+  <p:cSld>
+    <p:bg>
+      <p:bgPr>
+        <a:solidFill>
+          <a:srgbClr val="AF2019"/>
+        </a:solidFill>
+        <a:effectLst/>
+      </p:bgPr>
+    </p:bg>
+    <p:spTree>
+      <p:nvGrpSpPr>
+        <p:cNvPr id="1" name=""/>
+        <p:cNvGrpSpPr/>
+        <p:nvPr/>
+      </p:nvGrpSpPr>
+      <p:grpSpPr>
+        <a:xfrm>
+          <a:off x="0" y="0"/>
+          <a:ext cx="0" cy="0"/>
+          <a:chOff x="0" y="0"/>
+          <a:chExt cx="0" cy="0"/>
+        </a:xfrm>
+      </p:grpSpPr>
+      <p:sp>
+        <p:nvSpPr>
+          <p:cNvPr id="22" name="矩形 21"/>
+          <p:cNvSpPr/>
+          <p:nvPr/>
+        </p:nvSpPr>
+        <p:spPr bwMode="auto">
+          <a:xfrm>
+            <a:off x="0" y="666517"/>
+            <a:ext cx="12196763" cy="6002843"/>
+          </a:xfrm>
+          <a:prstGeom prst="rect">
+            <a:avLst/>
+          </a:prstGeom>
+          <a:solidFill>
+            <a:schemeClr val="bg2">
+              <a:lumMod val="20000"/>
+              <a:lumOff val="80000"/>
+            </a:schemeClr>
+          </a:solidFill>
+          <a:ln w="9525" cap="flat" cmpd="sng" algn="ctr">
+            <a:noFill/>
+            <a:prstDash val="solid"/>
+            <a:round/>
+            <a:headEnd type="none" w="med" len="med"/>
+            <a:tailEnd type="none" w="med" len="med"/>
+          </a:ln>
+          <a:effectLst/>
+          <a:extLst/>
+        </p:spPr>
+        <p:txBody>
+          <a:bodyPr vert="horz" wrap="square" lIns="91440" tIns="45720" rIns="91440" bIns="45720" numCol="1" rtlCol="0" anchor="t" anchorCtr="0" compatLnSpc="1">
+            <a:prstTxWarp prst="textNoShape">
+              <a:avLst/>
+            </a:prstTxWarp>
+          </a:bodyPr>
+          <a:lstStyle/>
+          <a:p>
+            <a:endParaRPr lang="zh-CN" altLang="en-US" dirty="0" smtClean="0">
+              <a:solidFill>
+                <a:srgbClr val="C4261D"/>
+              </a:solidFill>
+            </a:endParaRPr>
+          </a:p>
+        </p:txBody>
+      </p:sp>
+      <p:sp>
+        <p:nvSpPr>
+          <p:cNvPr id="27" name="矩形 26"/>
+          <p:cNvSpPr/>
+          <p:nvPr/>
+        </p:nvSpPr>
+        <p:spPr bwMode="auto">
+          <a:xfrm>
+            <a:off x="0" y="238581"/>
+            <a:ext cx="409749" cy="333328"/>
+          </a:xfrm>
+          <a:prstGeom prst="rect">
+            <a:avLst/>
+          </a:prstGeom>
+          <a:solidFill>
+            <a:schemeClr val="bg1"/>
+          </a:solidFill>
+          <a:ln w="9525" cap="flat" cmpd="sng" algn="ctr">
+            <a:noFill/>
+            <a:prstDash val="solid"/>
+            <a:round/>
+            <a:headEnd type="none" w="med" len="med"/>
+            <a:tailEnd type="none" w="med" len="med"/>
+          </a:ln>
+          <a:effectLst/>
+          <a:extLst/>
+        </p:spPr>
+        <p:txBody>
+          <a:bodyPr vert="horz" wrap="square" lIns="91440" tIns="45720" rIns="91440" bIns="45720" numCol="1" rtlCol="0" anchor="t" anchorCtr="0" compatLnSpc="1">
+            <a:prstTxWarp prst="textNoShape">
+              <a:avLst/>
+            </a:prstTxWarp>
+          </a:bodyPr>
+          <a:lstStyle/>
+          <a:p>
+            <a:endParaRPr lang="zh-CN" altLang="en-US" smtClean="0">
+              <a:solidFill>
+                <a:srgbClr val="C4261D"/>
+              </a:solidFill>
+            </a:endParaRPr>
+          </a:p>
+        </p:txBody>
+      </p:sp>
+      <p:sp>
+        <p:nvSpPr>
+          <p:cNvPr id="5" name="TextBox 4"/>
+          <p:cNvSpPr txBox="1"/>
+          <p:nvPr/>
+        </p:nvSpPr>
+        <p:spPr>
+          <a:xfrm>
+            <a:off x="434670" y="174412"/>
+            <a:ext cx="3288080" cy="430887"/>
+          </a:xfrm>
+          <a:prstGeom prst="rect">
+            <a:avLst/>
+          </a:prstGeom>
+          <a:noFill/>
+        </p:spPr>
+        <p:txBody>
+          <a:bodyPr wrap="none" rtlCol="0">
+            <a:spAutoFit/>
+          </a:bodyPr>
+          <a:lstStyle/>
+          <a:p>
             <a:r>
               <a:rPr lang="zh-CN" altLang="en-US" sz="2200" dirty="0" smtClean="0">
                 <a:solidFill>
@@ -20626,7 +21532,7 @@
                 <a:latin typeface="微软雅黑"/>
                 <a:ea typeface="微软雅黑"/>
               </a:rPr>
-              <a:t>：写入文件</a:t>
+              <a:t>字符流的使用：写入文件</a:t>
             </a:r>
             <a:endParaRPr lang="zh-CN" altLang="en-US" sz="2200" dirty="0">
               <a:solidFill>
@@ -20993,7 +21899,7 @@
 </p:sld>
 </file>
 
-<file path=ppt/slides/slide23.xml><?xml version="1.0" encoding="utf-8"?>
+<file path=ppt/slides/slide24.xml><?xml version="1.0" encoding="utf-8"?>
 <p:sld xmlns:a="http://schemas.openxmlformats.org/drawingml/2006/main" xmlns:r="http://schemas.openxmlformats.org/officeDocument/2006/relationships" xmlns:p="http://schemas.openxmlformats.org/presentationml/2006/main">
   <p:cSld>
     <p:bg>
@@ -22115,13 +23021,6 @@
               </a:rPr>
               <a:t>Reader</a:t>
             </a:r>
-            <a:endParaRPr lang="en-US" altLang="zh-CN" dirty="0" smtClean="0">
-              <a:solidFill>
-                <a:srgbClr val="080808"/>
-              </a:solidFill>
-              <a:latin typeface="微软雅黑" pitchFamily="34" charset="-122"/>
-              <a:ea typeface="微软雅黑" pitchFamily="34" charset="-122"/>
-            </a:endParaRPr>
           </a:p>
           <a:p>
             <a:pPr algn="ctr" eaLnBrk="0" fontAlgn="ctr" hangingPunct="0">
@@ -22401,13 +23300,6 @@
               </a:rPr>
               <a:t>Buffered…</a:t>
             </a:r>
-            <a:endParaRPr lang="en-US" altLang="zh-CN" dirty="0" smtClean="0">
-              <a:solidFill>
-                <a:srgbClr val="080808"/>
-              </a:solidFill>
-              <a:latin typeface="微软雅黑" pitchFamily="34" charset="-122"/>
-              <a:ea typeface="微软雅黑" pitchFamily="34" charset="-122"/>
-            </a:endParaRPr>
           </a:p>
           <a:p>
             <a:pPr algn="ctr" eaLnBrk="0" fontAlgn="ctr" hangingPunct="0">
@@ -22576,17 +23468,7 @@
                 <a:latin typeface="微软雅黑" pitchFamily="34" charset="-122"/>
                 <a:ea typeface="微软雅黑" pitchFamily="34" charset="-122"/>
               </a:rPr>
-              <a:t>第十一次</a:t>
-            </a:r>
-            <a:r>
-              <a:rPr lang="zh-CN" altLang="en-US" sz="2400" dirty="0" smtClean="0">
-                <a:solidFill>
-                  <a:srgbClr val="4D4D4D"/>
-                </a:solidFill>
-                <a:latin typeface="微软雅黑" pitchFamily="34" charset="-122"/>
-                <a:ea typeface="微软雅黑" pitchFamily="34" charset="-122"/>
-              </a:rPr>
-              <a:t>课的内容</a:t>
+              <a:t>第十一次课的内容</a:t>
             </a:r>
             <a:endParaRPr lang="zh-CN" altLang="en-US" sz="2400" dirty="0">
               <a:solidFill>
@@ -25403,6 +26285,546 @@
 </file>
 
 <file path=ppt/slides/slide6.xml><?xml version="1.0" encoding="utf-8"?>
+<p:sld xmlns:a="http://schemas.openxmlformats.org/drawingml/2006/main" xmlns:r="http://schemas.openxmlformats.org/officeDocument/2006/relationships" xmlns:p="http://schemas.openxmlformats.org/presentationml/2006/main">
+  <p:cSld>
+    <p:bg>
+      <p:bgPr>
+        <a:solidFill>
+          <a:srgbClr val="AF2019"/>
+        </a:solidFill>
+        <a:effectLst/>
+      </p:bgPr>
+    </p:bg>
+    <p:spTree>
+      <p:nvGrpSpPr>
+        <p:cNvPr id="1" name=""/>
+        <p:cNvGrpSpPr/>
+        <p:nvPr/>
+      </p:nvGrpSpPr>
+      <p:grpSpPr>
+        <a:xfrm>
+          <a:off x="0" y="0"/>
+          <a:ext cx="0" cy="0"/>
+          <a:chOff x="0" y="0"/>
+          <a:chExt cx="0" cy="0"/>
+        </a:xfrm>
+      </p:grpSpPr>
+      <p:sp>
+        <p:nvSpPr>
+          <p:cNvPr id="22" name="矩形 21"/>
+          <p:cNvSpPr/>
+          <p:nvPr/>
+        </p:nvSpPr>
+        <p:spPr bwMode="auto">
+          <a:xfrm>
+            <a:off x="0" y="666517"/>
+            <a:ext cx="12196763" cy="6002843"/>
+          </a:xfrm>
+          <a:prstGeom prst="rect">
+            <a:avLst/>
+          </a:prstGeom>
+          <a:solidFill>
+            <a:schemeClr val="bg2">
+              <a:lumMod val="20000"/>
+              <a:lumOff val="80000"/>
+            </a:schemeClr>
+          </a:solidFill>
+          <a:ln w="9525" cap="flat" cmpd="sng" algn="ctr">
+            <a:noFill/>
+            <a:prstDash val="solid"/>
+            <a:round/>
+            <a:headEnd type="none" w="med" len="med"/>
+            <a:tailEnd type="none" w="med" len="med"/>
+          </a:ln>
+          <a:effectLst/>
+          <a:extLst/>
+        </p:spPr>
+        <p:txBody>
+          <a:bodyPr vert="horz" wrap="square" lIns="91440" tIns="45720" rIns="91440" bIns="45720" numCol="1" rtlCol="0" anchor="t" anchorCtr="0" compatLnSpc="1">
+            <a:prstTxWarp prst="textNoShape">
+              <a:avLst/>
+            </a:prstTxWarp>
+          </a:bodyPr>
+          <a:lstStyle/>
+          <a:p>
+            <a:endParaRPr lang="zh-CN" altLang="en-US" dirty="0" smtClean="0">
+              <a:solidFill>
+                <a:srgbClr val="C4261D"/>
+              </a:solidFill>
+            </a:endParaRPr>
+          </a:p>
+        </p:txBody>
+      </p:sp>
+      <p:sp>
+        <p:nvSpPr>
+          <p:cNvPr id="77" name="TextBox 76"/>
+          <p:cNvSpPr txBox="1"/>
+          <p:nvPr/>
+        </p:nvSpPr>
+        <p:spPr>
+          <a:xfrm>
+            <a:off x="434670" y="174412"/>
+            <a:ext cx="5359801" cy="430887"/>
+          </a:xfrm>
+          <a:prstGeom prst="rect">
+            <a:avLst/>
+          </a:prstGeom>
+          <a:noFill/>
+        </p:spPr>
+        <p:txBody>
+          <a:bodyPr wrap="none" rtlCol="0">
+            <a:spAutoFit/>
+          </a:bodyPr>
+          <a:lstStyle/>
+          <a:p>
+            <a:r>
+              <a:rPr lang="zh-CN" altLang="en-US" sz="2200" dirty="0" smtClean="0">
+                <a:solidFill>
+                  <a:srgbClr val="C2C1C1">
+                    <a:lumMod val="20000"/>
+                    <a:lumOff val="80000"/>
+                  </a:srgbClr>
+                </a:solidFill>
+                <a:latin typeface="微软雅黑"/>
+                <a:ea typeface="微软雅黑"/>
+              </a:rPr>
+              <a:t>流（</a:t>
+            </a:r>
+            <a:r>
+              <a:rPr lang="en-US" altLang="zh-CN" sz="2200" dirty="0" smtClean="0">
+                <a:solidFill>
+                  <a:srgbClr val="C2C1C1">
+                    <a:lumMod val="20000"/>
+                    <a:lumOff val="80000"/>
+                  </a:srgbClr>
+                </a:solidFill>
+                <a:latin typeface="微软雅黑"/>
+                <a:ea typeface="微软雅黑"/>
+              </a:rPr>
+              <a:t>Stream</a:t>
+            </a:r>
+            <a:r>
+              <a:rPr lang="zh-CN" altLang="en-US" sz="2200" dirty="0" smtClean="0">
+                <a:solidFill>
+                  <a:srgbClr val="C2C1C1">
+                    <a:lumMod val="20000"/>
+                    <a:lumOff val="80000"/>
+                  </a:srgbClr>
+                </a:solidFill>
+                <a:latin typeface="微软雅黑"/>
+                <a:ea typeface="微软雅黑"/>
+              </a:rPr>
+              <a:t>）里面，跑的是什么数据呢？</a:t>
+            </a:r>
+            <a:endParaRPr lang="zh-CN" altLang="en-US" sz="2200" dirty="0">
+              <a:solidFill>
+                <a:srgbClr val="C2C1C1">
+                  <a:lumMod val="20000"/>
+                  <a:lumOff val="80000"/>
+                </a:srgbClr>
+              </a:solidFill>
+              <a:latin typeface="微软雅黑"/>
+              <a:ea typeface="微软雅黑"/>
+            </a:endParaRPr>
+          </a:p>
+        </p:txBody>
+      </p:sp>
+      <p:sp>
+        <p:nvSpPr>
+          <p:cNvPr id="27" name="矩形 26"/>
+          <p:cNvSpPr/>
+          <p:nvPr/>
+        </p:nvSpPr>
+        <p:spPr bwMode="auto">
+          <a:xfrm>
+            <a:off x="0" y="238581"/>
+            <a:ext cx="409749" cy="333328"/>
+          </a:xfrm>
+          <a:prstGeom prst="rect">
+            <a:avLst/>
+          </a:prstGeom>
+          <a:solidFill>
+            <a:schemeClr val="bg1"/>
+          </a:solidFill>
+          <a:ln w="9525" cap="flat" cmpd="sng" algn="ctr">
+            <a:noFill/>
+            <a:prstDash val="solid"/>
+            <a:round/>
+            <a:headEnd type="none" w="med" len="med"/>
+            <a:tailEnd type="none" w="med" len="med"/>
+          </a:ln>
+          <a:effectLst/>
+          <a:extLst/>
+        </p:spPr>
+        <p:txBody>
+          <a:bodyPr vert="horz" wrap="square" lIns="91440" tIns="45720" rIns="91440" bIns="45720" numCol="1" rtlCol="0" anchor="t" anchorCtr="0" compatLnSpc="1">
+            <a:prstTxWarp prst="textNoShape">
+              <a:avLst/>
+            </a:prstTxWarp>
+          </a:bodyPr>
+          <a:lstStyle/>
+          <a:p>
+            <a:endParaRPr lang="zh-CN" altLang="en-US" smtClean="0">
+              <a:solidFill>
+                <a:srgbClr val="C4261D"/>
+              </a:solidFill>
+            </a:endParaRPr>
+          </a:p>
+        </p:txBody>
+      </p:sp>
+      <p:pic>
+        <p:nvPicPr>
+          <p:cNvPr id="3074" name="Picture 2"/>
+          <p:cNvPicPr>
+            <a:picLocks noChangeAspect="1" noChangeArrowheads="1"/>
+          </p:cNvPicPr>
+          <p:nvPr/>
+        </p:nvPicPr>
+        <p:blipFill>
+          <a:blip r:embed="rId3">
+            <a:extLst>
+              <a:ext uri="{28A0092B-C50C-407E-A947-70E740481C1C}">
+                <a14:useLocalDpi xmlns:a14="http://schemas.microsoft.com/office/drawing/2010/main" val="0"/>
+              </a:ext>
+            </a:extLst>
+          </a:blip>
+          <a:srcRect/>
+          <a:stretch>
+            <a:fillRect/>
+          </a:stretch>
+        </p:blipFill>
+        <p:spPr bwMode="auto">
+          <a:xfrm>
+            <a:off x="217488" y="1357313"/>
+            <a:ext cx="11761787" cy="4143375"/>
+          </a:xfrm>
+          <a:prstGeom prst="rect">
+            <a:avLst/>
+          </a:prstGeom>
+          <a:noFill/>
+          <a:ln>
+            <a:noFill/>
+          </a:ln>
+          <a:extLst>
+            <a:ext uri="{909E8E84-426E-40DD-AFC4-6F175D3DCCD1}">
+              <a14:hiddenFill xmlns:a14="http://schemas.microsoft.com/office/drawing/2010/main">
+                <a:solidFill>
+                  <a:schemeClr val="accent1"/>
+                </a:solidFill>
+              </a14:hiddenFill>
+            </a:ext>
+            <a:ext uri="{91240B29-F687-4F45-9708-019B960494DF}">
+              <a14:hiddenLine xmlns:a14="http://schemas.microsoft.com/office/drawing/2010/main" w="9525">
+                <a:solidFill>
+                  <a:schemeClr val="tx1"/>
+                </a:solidFill>
+                <a:miter lim="800000"/>
+                <a:headEnd/>
+                <a:tailEnd/>
+              </a14:hiddenLine>
+            </a:ext>
+          </a:extLst>
+        </p:spPr>
+      </p:pic>
+    </p:spTree>
+    <p:extLst>
+      <p:ext uri="{BB962C8B-B14F-4D97-AF65-F5344CB8AC3E}">
+        <p14:creationId xmlns:p14="http://schemas.microsoft.com/office/powerpoint/2010/main" val="1386694858"/>
+      </p:ext>
+    </p:extLst>
+  </p:cSld>
+  <p:clrMapOvr>
+    <a:masterClrMapping/>
+  </p:clrMapOvr>
+  <p:transition spd="slow" advTm="7876">
+    <p:wipe/>
+  </p:transition>
+  <p:timing>
+    <p:tnLst>
+      <p:par>
+        <p:cTn id="1" dur="indefinite" restart="never" nodeType="tmRoot">
+          <p:childTnLst>
+            <p:seq concurrent="1" nextAc="seek">
+              <p:cTn id="2" dur="indefinite" nodeType="mainSeq">
+                <p:childTnLst>
+                  <p:par>
+                    <p:cTn id="3" fill="hold">
+                      <p:stCondLst>
+                        <p:cond delay="indefinite"/>
+                        <p:cond evt="onBegin" delay="0">
+                          <p:tn val="2"/>
+                        </p:cond>
+                      </p:stCondLst>
+                      <p:childTnLst>
+                        <p:par>
+                          <p:cTn id="4" fill="hold">
+                            <p:stCondLst>
+                              <p:cond delay="0"/>
+                            </p:stCondLst>
+                            <p:childTnLst>
+                              <p:par>
+                                <p:cTn id="5" presetID="2" presetClass="entr" presetSubtype="8" fill="hold" grpId="0" nodeType="afterEffect">
+                                  <p:stCondLst>
+                                    <p:cond delay="0"/>
+                                  </p:stCondLst>
+                                  <p:childTnLst>
+                                    <p:set>
+                                      <p:cBhvr>
+                                        <p:cTn id="6" dur="1" fill="hold">
+                                          <p:stCondLst>
+                                            <p:cond delay="0"/>
+                                          </p:stCondLst>
+                                        </p:cTn>
+                                        <p:tgtEl>
+                                          <p:spTgt spid="27"/>
+                                        </p:tgtEl>
+                                        <p:attrNameLst>
+                                          <p:attrName>style.visibility</p:attrName>
+                                        </p:attrNameLst>
+                                      </p:cBhvr>
+                                      <p:to>
+                                        <p:strVal val="visible"/>
+                                      </p:to>
+                                    </p:set>
+                                    <p:anim calcmode="lin" valueType="num">
+                                      <p:cBhvr additive="base">
+                                        <p:cTn id="7" dur="300" fill="hold"/>
+                                        <p:tgtEl>
+                                          <p:spTgt spid="27"/>
+                                        </p:tgtEl>
+                                        <p:attrNameLst>
+                                          <p:attrName>ppt_x</p:attrName>
+                                        </p:attrNameLst>
+                                      </p:cBhvr>
+                                      <p:tavLst>
+                                        <p:tav tm="0">
+                                          <p:val>
+                                            <p:strVal val="0-#ppt_w/2"/>
+                                          </p:val>
+                                        </p:tav>
+                                        <p:tav tm="100000">
+                                          <p:val>
+                                            <p:strVal val="#ppt_x"/>
+                                          </p:val>
+                                        </p:tav>
+                                      </p:tavLst>
+                                    </p:anim>
+                                    <p:anim calcmode="lin" valueType="num">
+                                      <p:cBhvr additive="base">
+                                        <p:cTn id="8" dur="300" fill="hold"/>
+                                        <p:tgtEl>
+                                          <p:spTgt spid="27"/>
+                                        </p:tgtEl>
+                                        <p:attrNameLst>
+                                          <p:attrName>ppt_y</p:attrName>
+                                        </p:attrNameLst>
+                                      </p:cBhvr>
+                                      <p:tavLst>
+                                        <p:tav tm="0">
+                                          <p:val>
+                                            <p:strVal val="#ppt_y"/>
+                                          </p:val>
+                                        </p:tav>
+                                        <p:tav tm="100000">
+                                          <p:val>
+                                            <p:strVal val="#ppt_y"/>
+                                          </p:val>
+                                        </p:tav>
+                                      </p:tavLst>
+                                    </p:anim>
+                                  </p:childTnLst>
+                                </p:cTn>
+                              </p:par>
+                            </p:childTnLst>
+                          </p:cTn>
+                        </p:par>
+                        <p:par>
+                          <p:cTn id="9" fill="hold">
+                            <p:stCondLst>
+                              <p:cond delay="300"/>
+                            </p:stCondLst>
+                            <p:childTnLst>
+                              <p:par>
+                                <p:cTn id="10" presetID="41" presetClass="entr" presetSubtype="0" fill="hold" grpId="0" nodeType="afterEffect">
+                                  <p:stCondLst>
+                                    <p:cond delay="0"/>
+                                  </p:stCondLst>
+                                  <p:iterate type="lt">
+                                    <p:tmPct val="10000"/>
+                                  </p:iterate>
+                                  <p:childTnLst>
+                                    <p:set>
+                                      <p:cBhvr>
+                                        <p:cTn id="11" dur="1" fill="hold">
+                                          <p:stCondLst>
+                                            <p:cond delay="0"/>
+                                          </p:stCondLst>
+                                        </p:cTn>
+                                        <p:tgtEl>
+                                          <p:spTgt spid="77"/>
+                                        </p:tgtEl>
+                                        <p:attrNameLst>
+                                          <p:attrName>style.visibility</p:attrName>
+                                        </p:attrNameLst>
+                                      </p:cBhvr>
+                                      <p:to>
+                                        <p:strVal val="visible"/>
+                                      </p:to>
+                                    </p:set>
+                                    <p:anim calcmode="lin" valueType="num">
+                                      <p:cBhvr>
+                                        <p:cTn id="12" dur="400" fill="hold"/>
+                                        <p:tgtEl>
+                                          <p:spTgt spid="77"/>
+                                        </p:tgtEl>
+                                        <p:attrNameLst>
+                                          <p:attrName>ppt_x</p:attrName>
+                                        </p:attrNameLst>
+                                      </p:cBhvr>
+                                      <p:tavLst>
+                                        <p:tav tm="0">
+                                          <p:val>
+                                            <p:strVal val="#ppt_x"/>
+                                          </p:val>
+                                        </p:tav>
+                                        <p:tav tm="50000">
+                                          <p:val>
+                                            <p:strVal val="#ppt_x+.1"/>
+                                          </p:val>
+                                        </p:tav>
+                                        <p:tav tm="100000">
+                                          <p:val>
+                                            <p:strVal val="#ppt_x"/>
+                                          </p:val>
+                                        </p:tav>
+                                      </p:tavLst>
+                                    </p:anim>
+                                    <p:anim calcmode="lin" valueType="num">
+                                      <p:cBhvr>
+                                        <p:cTn id="13" dur="400" fill="hold"/>
+                                        <p:tgtEl>
+                                          <p:spTgt spid="77"/>
+                                        </p:tgtEl>
+                                        <p:attrNameLst>
+                                          <p:attrName>ppt_y</p:attrName>
+                                        </p:attrNameLst>
+                                      </p:cBhvr>
+                                      <p:tavLst>
+                                        <p:tav tm="0">
+                                          <p:val>
+                                            <p:strVal val="#ppt_y"/>
+                                          </p:val>
+                                        </p:tav>
+                                        <p:tav tm="100000">
+                                          <p:val>
+                                            <p:strVal val="#ppt_y"/>
+                                          </p:val>
+                                        </p:tav>
+                                      </p:tavLst>
+                                    </p:anim>
+                                    <p:anim calcmode="lin" valueType="num">
+                                      <p:cBhvr>
+                                        <p:cTn id="14" dur="400" fill="hold"/>
+                                        <p:tgtEl>
+                                          <p:spTgt spid="77"/>
+                                        </p:tgtEl>
+                                        <p:attrNameLst>
+                                          <p:attrName>ppt_h</p:attrName>
+                                        </p:attrNameLst>
+                                      </p:cBhvr>
+                                      <p:tavLst>
+                                        <p:tav tm="0">
+                                          <p:val>
+                                            <p:strVal val="#ppt_h/10"/>
+                                          </p:val>
+                                        </p:tav>
+                                        <p:tav tm="50000">
+                                          <p:val>
+                                            <p:strVal val="#ppt_h+.01"/>
+                                          </p:val>
+                                        </p:tav>
+                                        <p:tav tm="100000">
+                                          <p:val>
+                                            <p:strVal val="#ppt_h"/>
+                                          </p:val>
+                                        </p:tav>
+                                      </p:tavLst>
+                                    </p:anim>
+                                    <p:anim calcmode="lin" valueType="num">
+                                      <p:cBhvr>
+                                        <p:cTn id="15" dur="400" fill="hold"/>
+                                        <p:tgtEl>
+                                          <p:spTgt spid="77"/>
+                                        </p:tgtEl>
+                                        <p:attrNameLst>
+                                          <p:attrName>ppt_w</p:attrName>
+                                        </p:attrNameLst>
+                                      </p:cBhvr>
+                                      <p:tavLst>
+                                        <p:tav tm="0">
+                                          <p:val>
+                                            <p:strVal val="#ppt_w/10"/>
+                                          </p:val>
+                                        </p:tav>
+                                        <p:tav tm="50000">
+                                          <p:val>
+                                            <p:strVal val="#ppt_w+.01"/>
+                                          </p:val>
+                                        </p:tav>
+                                        <p:tav tm="100000">
+                                          <p:val>
+                                            <p:strVal val="#ppt_w"/>
+                                          </p:val>
+                                        </p:tav>
+                                      </p:tavLst>
+                                    </p:anim>
+                                    <p:animEffect transition="in" filter="fade">
+                                      <p:cBhvr>
+                                        <p:cTn id="16" dur="400" tmFilter="0,0; .5, 1; 1, 1"/>
+                                        <p:tgtEl>
+                                          <p:spTgt spid="77"/>
+                                        </p:tgtEl>
+                                      </p:cBhvr>
+                                    </p:animEffect>
+                                  </p:childTnLst>
+                                </p:cTn>
+                              </p:par>
+                            </p:childTnLst>
+                          </p:cTn>
+                        </p:par>
+                      </p:childTnLst>
+                    </p:cTn>
+                  </p:par>
+                </p:childTnLst>
+              </p:cTn>
+              <p:prevCondLst>
+                <p:cond evt="onPrev" delay="0">
+                  <p:tgtEl>
+                    <p:sldTgt/>
+                  </p:tgtEl>
+                </p:cond>
+              </p:prevCondLst>
+              <p:nextCondLst>
+                <p:cond evt="onNext" delay="0">
+                  <p:tgtEl>
+                    <p:sldTgt/>
+                  </p:tgtEl>
+                </p:cond>
+              </p:nextCondLst>
+            </p:seq>
+          </p:childTnLst>
+        </p:cTn>
+      </p:par>
+    </p:tnLst>
+    <p:bldLst>
+      <p:bldP spid="77" grpId="0"/>
+      <p:bldP spid="27" grpId="0" animBg="1"/>
+    </p:bldLst>
+  </p:timing>
+</p:sld>
+</file>
+
+<file path=ppt/slides/slide7.xml><?xml version="1.0" encoding="utf-8"?>
 <p:sld xmlns:a="http://schemas.openxmlformats.org/drawingml/2006/main" xmlns:r="http://schemas.openxmlformats.org/officeDocument/2006/relationships" xmlns:p="http://schemas.openxmlformats.org/presentationml/2006/main">
   <p:cSld>
     <p:bg>
@@ -25798,546 +27220,6 @@
     <p:extLst>
       <p:ext uri="{BB962C8B-B14F-4D97-AF65-F5344CB8AC3E}">
         <p14:creationId xmlns:p14="http://schemas.microsoft.com/office/powerpoint/2010/main" val="6607307"/>
-      </p:ext>
-    </p:extLst>
-  </p:cSld>
-  <p:clrMapOvr>
-    <a:masterClrMapping/>
-  </p:clrMapOvr>
-  <p:transition spd="slow" advTm="7876">
-    <p:wipe/>
-  </p:transition>
-  <p:timing>
-    <p:tnLst>
-      <p:par>
-        <p:cTn id="1" dur="indefinite" restart="never" nodeType="tmRoot">
-          <p:childTnLst>
-            <p:seq concurrent="1" nextAc="seek">
-              <p:cTn id="2" dur="indefinite" nodeType="mainSeq">
-                <p:childTnLst>
-                  <p:par>
-                    <p:cTn id="3" fill="hold">
-                      <p:stCondLst>
-                        <p:cond delay="indefinite"/>
-                        <p:cond evt="onBegin" delay="0">
-                          <p:tn val="2"/>
-                        </p:cond>
-                      </p:stCondLst>
-                      <p:childTnLst>
-                        <p:par>
-                          <p:cTn id="4" fill="hold">
-                            <p:stCondLst>
-                              <p:cond delay="0"/>
-                            </p:stCondLst>
-                            <p:childTnLst>
-                              <p:par>
-                                <p:cTn id="5" presetID="2" presetClass="entr" presetSubtype="8" fill="hold" grpId="0" nodeType="afterEffect">
-                                  <p:stCondLst>
-                                    <p:cond delay="0"/>
-                                  </p:stCondLst>
-                                  <p:childTnLst>
-                                    <p:set>
-                                      <p:cBhvr>
-                                        <p:cTn id="6" dur="1" fill="hold">
-                                          <p:stCondLst>
-                                            <p:cond delay="0"/>
-                                          </p:stCondLst>
-                                        </p:cTn>
-                                        <p:tgtEl>
-                                          <p:spTgt spid="27"/>
-                                        </p:tgtEl>
-                                        <p:attrNameLst>
-                                          <p:attrName>style.visibility</p:attrName>
-                                        </p:attrNameLst>
-                                      </p:cBhvr>
-                                      <p:to>
-                                        <p:strVal val="visible"/>
-                                      </p:to>
-                                    </p:set>
-                                    <p:anim calcmode="lin" valueType="num">
-                                      <p:cBhvr additive="base">
-                                        <p:cTn id="7" dur="300" fill="hold"/>
-                                        <p:tgtEl>
-                                          <p:spTgt spid="27"/>
-                                        </p:tgtEl>
-                                        <p:attrNameLst>
-                                          <p:attrName>ppt_x</p:attrName>
-                                        </p:attrNameLst>
-                                      </p:cBhvr>
-                                      <p:tavLst>
-                                        <p:tav tm="0">
-                                          <p:val>
-                                            <p:strVal val="0-#ppt_w/2"/>
-                                          </p:val>
-                                        </p:tav>
-                                        <p:tav tm="100000">
-                                          <p:val>
-                                            <p:strVal val="#ppt_x"/>
-                                          </p:val>
-                                        </p:tav>
-                                      </p:tavLst>
-                                    </p:anim>
-                                    <p:anim calcmode="lin" valueType="num">
-                                      <p:cBhvr additive="base">
-                                        <p:cTn id="8" dur="300" fill="hold"/>
-                                        <p:tgtEl>
-                                          <p:spTgt spid="27"/>
-                                        </p:tgtEl>
-                                        <p:attrNameLst>
-                                          <p:attrName>ppt_y</p:attrName>
-                                        </p:attrNameLst>
-                                      </p:cBhvr>
-                                      <p:tavLst>
-                                        <p:tav tm="0">
-                                          <p:val>
-                                            <p:strVal val="#ppt_y"/>
-                                          </p:val>
-                                        </p:tav>
-                                        <p:tav tm="100000">
-                                          <p:val>
-                                            <p:strVal val="#ppt_y"/>
-                                          </p:val>
-                                        </p:tav>
-                                      </p:tavLst>
-                                    </p:anim>
-                                  </p:childTnLst>
-                                </p:cTn>
-                              </p:par>
-                            </p:childTnLst>
-                          </p:cTn>
-                        </p:par>
-                        <p:par>
-                          <p:cTn id="9" fill="hold">
-                            <p:stCondLst>
-                              <p:cond delay="300"/>
-                            </p:stCondLst>
-                            <p:childTnLst>
-                              <p:par>
-                                <p:cTn id="10" presetID="41" presetClass="entr" presetSubtype="0" fill="hold" grpId="0" nodeType="afterEffect">
-                                  <p:stCondLst>
-                                    <p:cond delay="0"/>
-                                  </p:stCondLst>
-                                  <p:iterate type="lt">
-                                    <p:tmPct val="10000"/>
-                                  </p:iterate>
-                                  <p:childTnLst>
-                                    <p:set>
-                                      <p:cBhvr>
-                                        <p:cTn id="11" dur="1" fill="hold">
-                                          <p:stCondLst>
-                                            <p:cond delay="0"/>
-                                          </p:stCondLst>
-                                        </p:cTn>
-                                        <p:tgtEl>
-                                          <p:spTgt spid="77"/>
-                                        </p:tgtEl>
-                                        <p:attrNameLst>
-                                          <p:attrName>style.visibility</p:attrName>
-                                        </p:attrNameLst>
-                                      </p:cBhvr>
-                                      <p:to>
-                                        <p:strVal val="visible"/>
-                                      </p:to>
-                                    </p:set>
-                                    <p:anim calcmode="lin" valueType="num">
-                                      <p:cBhvr>
-                                        <p:cTn id="12" dur="400" fill="hold"/>
-                                        <p:tgtEl>
-                                          <p:spTgt spid="77"/>
-                                        </p:tgtEl>
-                                        <p:attrNameLst>
-                                          <p:attrName>ppt_x</p:attrName>
-                                        </p:attrNameLst>
-                                      </p:cBhvr>
-                                      <p:tavLst>
-                                        <p:tav tm="0">
-                                          <p:val>
-                                            <p:strVal val="#ppt_x"/>
-                                          </p:val>
-                                        </p:tav>
-                                        <p:tav tm="50000">
-                                          <p:val>
-                                            <p:strVal val="#ppt_x+.1"/>
-                                          </p:val>
-                                        </p:tav>
-                                        <p:tav tm="100000">
-                                          <p:val>
-                                            <p:strVal val="#ppt_x"/>
-                                          </p:val>
-                                        </p:tav>
-                                      </p:tavLst>
-                                    </p:anim>
-                                    <p:anim calcmode="lin" valueType="num">
-                                      <p:cBhvr>
-                                        <p:cTn id="13" dur="400" fill="hold"/>
-                                        <p:tgtEl>
-                                          <p:spTgt spid="77"/>
-                                        </p:tgtEl>
-                                        <p:attrNameLst>
-                                          <p:attrName>ppt_y</p:attrName>
-                                        </p:attrNameLst>
-                                      </p:cBhvr>
-                                      <p:tavLst>
-                                        <p:tav tm="0">
-                                          <p:val>
-                                            <p:strVal val="#ppt_y"/>
-                                          </p:val>
-                                        </p:tav>
-                                        <p:tav tm="100000">
-                                          <p:val>
-                                            <p:strVal val="#ppt_y"/>
-                                          </p:val>
-                                        </p:tav>
-                                      </p:tavLst>
-                                    </p:anim>
-                                    <p:anim calcmode="lin" valueType="num">
-                                      <p:cBhvr>
-                                        <p:cTn id="14" dur="400" fill="hold"/>
-                                        <p:tgtEl>
-                                          <p:spTgt spid="77"/>
-                                        </p:tgtEl>
-                                        <p:attrNameLst>
-                                          <p:attrName>ppt_h</p:attrName>
-                                        </p:attrNameLst>
-                                      </p:cBhvr>
-                                      <p:tavLst>
-                                        <p:tav tm="0">
-                                          <p:val>
-                                            <p:strVal val="#ppt_h/10"/>
-                                          </p:val>
-                                        </p:tav>
-                                        <p:tav tm="50000">
-                                          <p:val>
-                                            <p:strVal val="#ppt_h+.01"/>
-                                          </p:val>
-                                        </p:tav>
-                                        <p:tav tm="100000">
-                                          <p:val>
-                                            <p:strVal val="#ppt_h"/>
-                                          </p:val>
-                                        </p:tav>
-                                      </p:tavLst>
-                                    </p:anim>
-                                    <p:anim calcmode="lin" valueType="num">
-                                      <p:cBhvr>
-                                        <p:cTn id="15" dur="400" fill="hold"/>
-                                        <p:tgtEl>
-                                          <p:spTgt spid="77"/>
-                                        </p:tgtEl>
-                                        <p:attrNameLst>
-                                          <p:attrName>ppt_w</p:attrName>
-                                        </p:attrNameLst>
-                                      </p:cBhvr>
-                                      <p:tavLst>
-                                        <p:tav tm="0">
-                                          <p:val>
-                                            <p:strVal val="#ppt_w/10"/>
-                                          </p:val>
-                                        </p:tav>
-                                        <p:tav tm="50000">
-                                          <p:val>
-                                            <p:strVal val="#ppt_w+.01"/>
-                                          </p:val>
-                                        </p:tav>
-                                        <p:tav tm="100000">
-                                          <p:val>
-                                            <p:strVal val="#ppt_w"/>
-                                          </p:val>
-                                        </p:tav>
-                                      </p:tavLst>
-                                    </p:anim>
-                                    <p:animEffect transition="in" filter="fade">
-                                      <p:cBhvr>
-                                        <p:cTn id="16" dur="400" tmFilter="0,0; .5, 1; 1, 1"/>
-                                        <p:tgtEl>
-                                          <p:spTgt spid="77"/>
-                                        </p:tgtEl>
-                                      </p:cBhvr>
-                                    </p:animEffect>
-                                  </p:childTnLst>
-                                </p:cTn>
-                              </p:par>
-                            </p:childTnLst>
-                          </p:cTn>
-                        </p:par>
-                      </p:childTnLst>
-                    </p:cTn>
-                  </p:par>
-                </p:childTnLst>
-              </p:cTn>
-              <p:prevCondLst>
-                <p:cond evt="onPrev" delay="0">
-                  <p:tgtEl>
-                    <p:sldTgt/>
-                  </p:tgtEl>
-                </p:cond>
-              </p:prevCondLst>
-              <p:nextCondLst>
-                <p:cond evt="onNext" delay="0">
-                  <p:tgtEl>
-                    <p:sldTgt/>
-                  </p:tgtEl>
-                </p:cond>
-              </p:nextCondLst>
-            </p:seq>
-          </p:childTnLst>
-        </p:cTn>
-      </p:par>
-    </p:tnLst>
-    <p:bldLst>
-      <p:bldP spid="77" grpId="0"/>
-      <p:bldP spid="27" grpId="0" animBg="1"/>
-    </p:bldLst>
-  </p:timing>
-</p:sld>
-</file>
-
-<file path=ppt/slides/slide7.xml><?xml version="1.0" encoding="utf-8"?>
-<p:sld xmlns:a="http://schemas.openxmlformats.org/drawingml/2006/main" xmlns:r="http://schemas.openxmlformats.org/officeDocument/2006/relationships" xmlns:p="http://schemas.openxmlformats.org/presentationml/2006/main">
-  <p:cSld>
-    <p:bg>
-      <p:bgPr>
-        <a:solidFill>
-          <a:srgbClr val="AF2019"/>
-        </a:solidFill>
-        <a:effectLst/>
-      </p:bgPr>
-    </p:bg>
-    <p:spTree>
-      <p:nvGrpSpPr>
-        <p:cNvPr id="1" name=""/>
-        <p:cNvGrpSpPr/>
-        <p:nvPr/>
-      </p:nvGrpSpPr>
-      <p:grpSpPr>
-        <a:xfrm>
-          <a:off x="0" y="0"/>
-          <a:ext cx="0" cy="0"/>
-          <a:chOff x="0" y="0"/>
-          <a:chExt cx="0" cy="0"/>
-        </a:xfrm>
-      </p:grpSpPr>
-      <p:sp>
-        <p:nvSpPr>
-          <p:cNvPr id="22" name="矩形 21"/>
-          <p:cNvSpPr/>
-          <p:nvPr/>
-        </p:nvSpPr>
-        <p:spPr bwMode="auto">
-          <a:xfrm>
-            <a:off x="0" y="666517"/>
-            <a:ext cx="12196763" cy="6002843"/>
-          </a:xfrm>
-          <a:prstGeom prst="rect">
-            <a:avLst/>
-          </a:prstGeom>
-          <a:solidFill>
-            <a:schemeClr val="bg2">
-              <a:lumMod val="20000"/>
-              <a:lumOff val="80000"/>
-            </a:schemeClr>
-          </a:solidFill>
-          <a:ln w="9525" cap="flat" cmpd="sng" algn="ctr">
-            <a:noFill/>
-            <a:prstDash val="solid"/>
-            <a:round/>
-            <a:headEnd type="none" w="med" len="med"/>
-            <a:tailEnd type="none" w="med" len="med"/>
-          </a:ln>
-          <a:effectLst/>
-          <a:extLst/>
-        </p:spPr>
-        <p:txBody>
-          <a:bodyPr vert="horz" wrap="square" lIns="91440" tIns="45720" rIns="91440" bIns="45720" numCol="1" rtlCol="0" anchor="t" anchorCtr="0" compatLnSpc="1">
-            <a:prstTxWarp prst="textNoShape">
-              <a:avLst/>
-            </a:prstTxWarp>
-          </a:bodyPr>
-          <a:lstStyle/>
-          <a:p>
-            <a:endParaRPr lang="zh-CN" altLang="en-US" dirty="0" smtClean="0">
-              <a:solidFill>
-                <a:srgbClr val="C4261D"/>
-              </a:solidFill>
-            </a:endParaRPr>
-          </a:p>
-        </p:txBody>
-      </p:sp>
-      <p:sp>
-        <p:nvSpPr>
-          <p:cNvPr id="77" name="TextBox 76"/>
-          <p:cNvSpPr txBox="1"/>
-          <p:nvPr/>
-        </p:nvSpPr>
-        <p:spPr>
-          <a:xfrm>
-            <a:off x="434670" y="174412"/>
-            <a:ext cx="5359801" cy="430887"/>
-          </a:xfrm>
-          <a:prstGeom prst="rect">
-            <a:avLst/>
-          </a:prstGeom>
-          <a:noFill/>
-        </p:spPr>
-        <p:txBody>
-          <a:bodyPr wrap="none" rtlCol="0">
-            <a:spAutoFit/>
-          </a:bodyPr>
-          <a:lstStyle/>
-          <a:p>
-            <a:r>
-              <a:rPr lang="zh-CN" altLang="en-US" sz="2200" dirty="0" smtClean="0">
-                <a:solidFill>
-                  <a:srgbClr val="C2C1C1">
-                    <a:lumMod val="20000"/>
-                    <a:lumOff val="80000"/>
-                  </a:srgbClr>
-                </a:solidFill>
-                <a:latin typeface="微软雅黑"/>
-                <a:ea typeface="微软雅黑"/>
-              </a:rPr>
-              <a:t>流（</a:t>
-            </a:r>
-            <a:r>
-              <a:rPr lang="en-US" altLang="zh-CN" sz="2200" dirty="0" smtClean="0">
-                <a:solidFill>
-                  <a:srgbClr val="C2C1C1">
-                    <a:lumMod val="20000"/>
-                    <a:lumOff val="80000"/>
-                  </a:srgbClr>
-                </a:solidFill>
-                <a:latin typeface="微软雅黑"/>
-                <a:ea typeface="微软雅黑"/>
-              </a:rPr>
-              <a:t>Stream</a:t>
-            </a:r>
-            <a:r>
-              <a:rPr lang="zh-CN" altLang="en-US" sz="2200" dirty="0" smtClean="0">
-                <a:solidFill>
-                  <a:srgbClr val="C2C1C1">
-                    <a:lumMod val="20000"/>
-                    <a:lumOff val="80000"/>
-                  </a:srgbClr>
-                </a:solidFill>
-                <a:latin typeface="微软雅黑"/>
-                <a:ea typeface="微软雅黑"/>
-              </a:rPr>
-              <a:t>）里面，跑的是什么数据呢？</a:t>
-            </a:r>
-            <a:endParaRPr lang="zh-CN" altLang="en-US" sz="2200" dirty="0">
-              <a:solidFill>
-                <a:srgbClr val="C2C1C1">
-                  <a:lumMod val="20000"/>
-                  <a:lumOff val="80000"/>
-                </a:srgbClr>
-              </a:solidFill>
-              <a:latin typeface="微软雅黑"/>
-              <a:ea typeface="微软雅黑"/>
-            </a:endParaRPr>
-          </a:p>
-        </p:txBody>
-      </p:sp>
-      <p:sp>
-        <p:nvSpPr>
-          <p:cNvPr id="27" name="矩形 26"/>
-          <p:cNvSpPr/>
-          <p:nvPr/>
-        </p:nvSpPr>
-        <p:spPr bwMode="auto">
-          <a:xfrm>
-            <a:off x="0" y="238581"/>
-            <a:ext cx="409749" cy="333328"/>
-          </a:xfrm>
-          <a:prstGeom prst="rect">
-            <a:avLst/>
-          </a:prstGeom>
-          <a:solidFill>
-            <a:schemeClr val="bg1"/>
-          </a:solidFill>
-          <a:ln w="9525" cap="flat" cmpd="sng" algn="ctr">
-            <a:noFill/>
-            <a:prstDash val="solid"/>
-            <a:round/>
-            <a:headEnd type="none" w="med" len="med"/>
-            <a:tailEnd type="none" w="med" len="med"/>
-          </a:ln>
-          <a:effectLst/>
-          <a:extLst/>
-        </p:spPr>
-        <p:txBody>
-          <a:bodyPr vert="horz" wrap="square" lIns="91440" tIns="45720" rIns="91440" bIns="45720" numCol="1" rtlCol="0" anchor="t" anchorCtr="0" compatLnSpc="1">
-            <a:prstTxWarp prst="textNoShape">
-              <a:avLst/>
-            </a:prstTxWarp>
-          </a:bodyPr>
-          <a:lstStyle/>
-          <a:p>
-            <a:endParaRPr lang="zh-CN" altLang="en-US" smtClean="0">
-              <a:solidFill>
-                <a:srgbClr val="C4261D"/>
-              </a:solidFill>
-            </a:endParaRPr>
-          </a:p>
-        </p:txBody>
-      </p:sp>
-      <p:pic>
-        <p:nvPicPr>
-          <p:cNvPr id="3074" name="Picture 2"/>
-          <p:cNvPicPr>
-            <a:picLocks noChangeAspect="1" noChangeArrowheads="1"/>
-          </p:cNvPicPr>
-          <p:nvPr/>
-        </p:nvPicPr>
-        <p:blipFill>
-          <a:blip r:embed="rId3">
-            <a:extLst>
-              <a:ext uri="{28A0092B-C50C-407E-A947-70E740481C1C}">
-                <a14:useLocalDpi xmlns:a14="http://schemas.microsoft.com/office/drawing/2010/main" val="0"/>
-              </a:ext>
-            </a:extLst>
-          </a:blip>
-          <a:srcRect/>
-          <a:stretch>
-            <a:fillRect/>
-          </a:stretch>
-        </p:blipFill>
-        <p:spPr bwMode="auto">
-          <a:xfrm>
-            <a:off x="217488" y="1357313"/>
-            <a:ext cx="11761787" cy="4143375"/>
-          </a:xfrm>
-          <a:prstGeom prst="rect">
-            <a:avLst/>
-          </a:prstGeom>
-          <a:noFill/>
-          <a:ln>
-            <a:noFill/>
-          </a:ln>
-          <a:extLst>
-            <a:ext uri="{909E8E84-426E-40DD-AFC4-6F175D3DCCD1}">
-              <a14:hiddenFill xmlns:a14="http://schemas.microsoft.com/office/drawing/2010/main">
-                <a:solidFill>
-                  <a:schemeClr val="accent1"/>
-                </a:solidFill>
-              </a14:hiddenFill>
-            </a:ext>
-            <a:ext uri="{91240B29-F687-4F45-9708-019B960494DF}">
-              <a14:hiddenLine xmlns:a14="http://schemas.microsoft.com/office/drawing/2010/main" w="9525">
-                <a:solidFill>
-                  <a:schemeClr val="tx1"/>
-                </a:solidFill>
-                <a:miter lim="800000"/>
-                <a:headEnd/>
-                <a:tailEnd/>
-              </a14:hiddenLine>
-            </a:ext>
-          </a:extLst>
-        </p:spPr>
-      </p:pic>
-    </p:spTree>
-    <p:extLst>
-      <p:ext uri="{BB962C8B-B14F-4D97-AF65-F5344CB8AC3E}">
-        <p14:creationId xmlns:p14="http://schemas.microsoft.com/office/powerpoint/2010/main" val="1386694858"/>
       </p:ext>
     </p:extLst>
   </p:cSld>
